--- a/Source ppts/10 Archivos.pptx
+++ b/Source ppts/10 Archivos.pptx
@@ -294,609 +294,8 @@
 </p:presentation>
 </file>
 
-<file path=ppt/revisionInfo.xml><?xml version="1.0" encoding="utf-8"?>
-<p1510:revInfo xmlns:a="http://schemas.openxmlformats.org/drawingml/2006/main" xmlns:r="http://schemas.openxmlformats.org/officeDocument/2006/relationships" xmlns:p1510="http://schemas.microsoft.com/office/powerpoint/2015/10/main">
-  <p1510:revLst>
-    <p1510:client id="{041A0E95-CA61-47AB-9FE6-D30CD90CA27E}" v="12" dt="2023-10-25T19:10:58.992"/>
-  </p1510:revLst>
-</p1510:revInfo>
-</file>
-
 <file path=ppt/changesInfos/changesInfo1.xml><?xml version="1.0" encoding="utf-8"?>
 <pc:chgInfo xmlns:a="http://schemas.openxmlformats.org/drawingml/2006/main" xmlns:r="http://schemas.openxmlformats.org/officeDocument/2006/relationships" xmlns:ac="http://schemas.microsoft.com/office/drawing/2013/main/command" xmlns:pc="http://schemas.microsoft.com/office/powerpoint/2013/main/command">
-  <pc:docChgLst>
-    <pc:chgData name="Rolando Rojas Sanfuentes (Alumno)" userId="S::rolando.rojass@usm.cl::2c56a9b6-e5a8-48f6-bb7c-ce0866612bbb" providerId="AD" clId="Web-{FCA4740B-0098-4442-61A9-3F6C704437EF}"/>
-    <pc:docChg chg="addSld delSld modSld">
-      <pc:chgData name="Rolando Rojas Sanfuentes (Alumno)" userId="S::rolando.rojass@usm.cl::2c56a9b6-e5a8-48f6-bb7c-ce0866612bbb" providerId="AD" clId="Web-{FCA4740B-0098-4442-61A9-3F6C704437EF}" dt="2023-10-17T18:12:18.591" v="389" actId="1076"/>
-      <pc:docMkLst>
-        <pc:docMk/>
-      </pc:docMkLst>
-      <pc:sldChg chg="modSp">
-        <pc:chgData name="Rolando Rojas Sanfuentes (Alumno)" userId="S::rolando.rojass@usm.cl::2c56a9b6-e5a8-48f6-bb7c-ce0866612bbb" providerId="AD" clId="Web-{FCA4740B-0098-4442-61A9-3F6C704437EF}" dt="2023-10-17T18:10:30.949" v="364" actId="20577"/>
-        <pc:sldMkLst>
-          <pc:docMk/>
-          <pc:sldMk cId="0" sldId="296"/>
-        </pc:sldMkLst>
-        <pc:spChg chg="mod">
-          <ac:chgData name="Rolando Rojas Sanfuentes (Alumno)" userId="S::rolando.rojass@usm.cl::2c56a9b6-e5a8-48f6-bb7c-ce0866612bbb" providerId="AD" clId="Web-{FCA4740B-0098-4442-61A9-3F6C704437EF}" dt="2023-10-17T18:10:30.949" v="364" actId="20577"/>
-          <ac:spMkLst>
-            <pc:docMk/>
-            <pc:sldMk cId="0" sldId="296"/>
-            <ac:spMk id="220" creationId="{00000000-0000-0000-0000-000000000000}"/>
-          </ac:spMkLst>
-        </pc:spChg>
-      </pc:sldChg>
-      <pc:sldChg chg="addSp delSp modSp">
-        <pc:chgData name="Rolando Rojas Sanfuentes (Alumno)" userId="S::rolando.rojass@usm.cl::2c56a9b6-e5a8-48f6-bb7c-ce0866612bbb" providerId="AD" clId="Web-{FCA4740B-0098-4442-61A9-3F6C704437EF}" dt="2023-10-17T18:12:18.591" v="389" actId="1076"/>
-        <pc:sldMkLst>
-          <pc:docMk/>
-          <pc:sldMk cId="0" sldId="297"/>
-        </pc:sldMkLst>
-        <pc:spChg chg="add del mod">
-          <ac:chgData name="Rolando Rojas Sanfuentes (Alumno)" userId="S::rolando.rojass@usm.cl::2c56a9b6-e5a8-48f6-bb7c-ce0866612bbb" providerId="AD" clId="Web-{FCA4740B-0098-4442-61A9-3F6C704437EF}" dt="2023-10-17T18:11:19.731" v="378"/>
-          <ac:spMkLst>
-            <pc:docMk/>
-            <pc:sldMk cId="0" sldId="297"/>
-            <ac:spMk id="3" creationId="{F46125FD-0452-FC09-781D-91CD80CF4180}"/>
-          </ac:spMkLst>
-        </pc:spChg>
-        <pc:spChg chg="add del mod">
-          <ac:chgData name="Rolando Rojas Sanfuentes (Alumno)" userId="S::rolando.rojass@usm.cl::2c56a9b6-e5a8-48f6-bb7c-ce0866612bbb" providerId="AD" clId="Web-{FCA4740B-0098-4442-61A9-3F6C704437EF}" dt="2023-10-17T18:11:14.496" v="377"/>
-          <ac:spMkLst>
-            <pc:docMk/>
-            <pc:sldMk cId="0" sldId="297"/>
-            <ac:spMk id="5" creationId="{9817C07B-5516-45E3-CA74-FD2CE514FAB7}"/>
-          </ac:spMkLst>
-        </pc:spChg>
-        <pc:spChg chg="mod">
-          <ac:chgData name="Rolando Rojas Sanfuentes (Alumno)" userId="S::rolando.rojass@usm.cl::2c56a9b6-e5a8-48f6-bb7c-ce0866612bbb" providerId="AD" clId="Web-{FCA4740B-0098-4442-61A9-3F6C704437EF}" dt="2023-10-17T18:11:04.465" v="374" actId="20577"/>
-          <ac:spMkLst>
-            <pc:docMk/>
-            <pc:sldMk cId="0" sldId="297"/>
-            <ac:spMk id="241" creationId="{00000000-0000-0000-0000-000000000000}"/>
-          </ac:spMkLst>
-        </pc:spChg>
-        <pc:spChg chg="del">
-          <ac:chgData name="Rolando Rojas Sanfuentes (Alumno)" userId="S::rolando.rojass@usm.cl::2c56a9b6-e5a8-48f6-bb7c-ce0866612bbb" providerId="AD" clId="Web-{FCA4740B-0098-4442-61A9-3F6C704437EF}" dt="2023-10-17T18:11:09.824" v="376"/>
-          <ac:spMkLst>
-            <pc:docMk/>
-            <pc:sldMk cId="0" sldId="297"/>
-            <ac:spMk id="243" creationId="{00000000-0000-0000-0000-000000000000}"/>
-          </ac:spMkLst>
-        </pc:spChg>
-        <pc:spChg chg="del">
-          <ac:chgData name="Rolando Rojas Sanfuentes (Alumno)" userId="S::rolando.rojass@usm.cl::2c56a9b6-e5a8-48f6-bb7c-ce0866612bbb" providerId="AD" clId="Web-{FCA4740B-0098-4442-61A9-3F6C704437EF}" dt="2023-10-17T18:11:07.168" v="375"/>
-          <ac:spMkLst>
-            <pc:docMk/>
-            <pc:sldMk cId="0" sldId="297"/>
-            <ac:spMk id="244" creationId="{00000000-0000-0000-0000-000000000000}"/>
-          </ac:spMkLst>
-        </pc:spChg>
-        <pc:spChg chg="mod">
-          <ac:chgData name="Rolando Rojas Sanfuentes (Alumno)" userId="S::rolando.rojass@usm.cl::2c56a9b6-e5a8-48f6-bb7c-ce0866612bbb" providerId="AD" clId="Web-{FCA4740B-0098-4442-61A9-3F6C704437EF}" dt="2023-10-17T18:12:15.231" v="388" actId="1076"/>
-          <ac:spMkLst>
-            <pc:docMk/>
-            <pc:sldMk cId="0" sldId="297"/>
-            <ac:spMk id="246" creationId="{00000000-0000-0000-0000-000000000000}"/>
-          </ac:spMkLst>
-        </pc:spChg>
-        <pc:spChg chg="mod">
-          <ac:chgData name="Rolando Rojas Sanfuentes (Alumno)" userId="S::rolando.rojass@usm.cl::2c56a9b6-e5a8-48f6-bb7c-ce0866612bbb" providerId="AD" clId="Web-{FCA4740B-0098-4442-61A9-3F6C704437EF}" dt="2023-10-17T18:12:18.591" v="389" actId="1076"/>
-          <ac:spMkLst>
-            <pc:docMk/>
-            <pc:sldMk cId="0" sldId="297"/>
-            <ac:spMk id="247" creationId="{00000000-0000-0000-0000-000000000000}"/>
-          </ac:spMkLst>
-        </pc:spChg>
-        <pc:spChg chg="mod">
-          <ac:chgData name="Rolando Rojas Sanfuentes (Alumno)" userId="S::rolando.rojass@usm.cl::2c56a9b6-e5a8-48f6-bb7c-ce0866612bbb" providerId="AD" clId="Web-{FCA4740B-0098-4442-61A9-3F6C704437EF}" dt="2023-10-17T18:12:07.778" v="386" actId="1076"/>
-          <ac:spMkLst>
-            <pc:docMk/>
-            <pc:sldMk cId="0" sldId="297"/>
-            <ac:spMk id="248" creationId="{00000000-0000-0000-0000-000000000000}"/>
-          </ac:spMkLst>
-        </pc:spChg>
-        <pc:spChg chg="mod">
-          <ac:chgData name="Rolando Rojas Sanfuentes (Alumno)" userId="S::rolando.rojass@usm.cl::2c56a9b6-e5a8-48f6-bb7c-ce0866612bbb" providerId="AD" clId="Web-{FCA4740B-0098-4442-61A9-3F6C704437EF}" dt="2023-10-17T18:12:10.622" v="387" actId="1076"/>
-          <ac:spMkLst>
-            <pc:docMk/>
-            <pc:sldMk cId="0" sldId="297"/>
-            <ac:spMk id="249" creationId="{00000000-0000-0000-0000-000000000000}"/>
-          </ac:spMkLst>
-        </pc:spChg>
-      </pc:sldChg>
-      <pc:sldChg chg="modSp del">
-        <pc:chgData name="Rolando Rojas Sanfuentes (Alumno)" userId="S::rolando.rojass@usm.cl::2c56a9b6-e5a8-48f6-bb7c-ce0866612bbb" providerId="AD" clId="Web-{FCA4740B-0098-4442-61A9-3F6C704437EF}" dt="2023-10-17T17:40:37.275" v="7"/>
-        <pc:sldMkLst>
-          <pc:docMk/>
-          <pc:sldMk cId="3216645914" sldId="306"/>
-        </pc:sldMkLst>
-        <pc:spChg chg="mod">
-          <ac:chgData name="Rolando Rojas Sanfuentes (Alumno)" userId="S::rolando.rojass@usm.cl::2c56a9b6-e5a8-48f6-bb7c-ce0866612bbb" providerId="AD" clId="Web-{FCA4740B-0098-4442-61A9-3F6C704437EF}" dt="2023-10-17T17:40:30.416" v="6" actId="20577"/>
-          <ac:spMkLst>
-            <pc:docMk/>
-            <pc:sldMk cId="3216645914" sldId="306"/>
-            <ac:spMk id="4" creationId="{B3079B04-1353-2071-38A5-D73BBBA839DC}"/>
-          </ac:spMkLst>
-        </pc:spChg>
-      </pc:sldChg>
-      <pc:sldChg chg="del">
-        <pc:chgData name="Rolando Rojas Sanfuentes (Alumno)" userId="S::rolando.rojass@usm.cl::2c56a9b6-e5a8-48f6-bb7c-ce0866612bbb" providerId="AD" clId="Web-{FCA4740B-0098-4442-61A9-3F6C704437EF}" dt="2023-10-17T17:50:58.719" v="228"/>
-        <pc:sldMkLst>
-          <pc:docMk/>
-          <pc:sldMk cId="815688110" sldId="308"/>
-        </pc:sldMkLst>
-      </pc:sldChg>
-      <pc:sldChg chg="del">
-        <pc:chgData name="Rolando Rojas Sanfuentes (Alumno)" userId="S::rolando.rojass@usm.cl::2c56a9b6-e5a8-48f6-bb7c-ce0866612bbb" providerId="AD" clId="Web-{FCA4740B-0098-4442-61A9-3F6C704437EF}" dt="2023-10-17T17:51:00.031" v="229"/>
-        <pc:sldMkLst>
-          <pc:docMk/>
-          <pc:sldMk cId="3768251299" sldId="309"/>
-        </pc:sldMkLst>
-      </pc:sldChg>
-      <pc:sldChg chg="addSp delSp modSp">
-        <pc:chgData name="Rolando Rojas Sanfuentes (Alumno)" userId="S::rolando.rojass@usm.cl::2c56a9b6-e5a8-48f6-bb7c-ce0866612bbb" providerId="AD" clId="Web-{FCA4740B-0098-4442-61A9-3F6C704437EF}" dt="2023-10-17T17:58:36.598" v="281" actId="20577"/>
-        <pc:sldMkLst>
-          <pc:docMk/>
-          <pc:sldMk cId="16281608" sldId="310"/>
-        </pc:sldMkLst>
-        <pc:spChg chg="add mod">
-          <ac:chgData name="Rolando Rojas Sanfuentes (Alumno)" userId="S::rolando.rojass@usm.cl::2c56a9b6-e5a8-48f6-bb7c-ce0866612bbb" providerId="AD" clId="Web-{FCA4740B-0098-4442-61A9-3F6C704437EF}" dt="2023-10-17T17:58:36.598" v="281" actId="20577"/>
-          <ac:spMkLst>
-            <pc:docMk/>
-            <pc:sldMk cId="16281608" sldId="310"/>
-            <ac:spMk id="8" creationId="{971D9B88-1CC5-3EA4-BCC6-2164A12195FA}"/>
-          </ac:spMkLst>
-        </pc:spChg>
-        <pc:spChg chg="del">
-          <ac:chgData name="Rolando Rojas Sanfuentes (Alumno)" userId="S::rolando.rojass@usm.cl::2c56a9b6-e5a8-48f6-bb7c-ce0866612bbb" providerId="AD" clId="Web-{FCA4740B-0098-4442-61A9-3F6C704437EF}" dt="2023-10-17T17:53:34.423" v="240"/>
-          <ac:spMkLst>
-            <pc:docMk/>
-            <pc:sldMk cId="16281608" sldId="310"/>
-            <ac:spMk id="11" creationId="{AC6BCBDE-13F1-1D26-3172-BD7FCA86568B}"/>
-          </ac:spMkLst>
-        </pc:spChg>
-        <pc:spChg chg="del">
-          <ac:chgData name="Rolando Rojas Sanfuentes (Alumno)" userId="S::rolando.rojass@usm.cl::2c56a9b6-e5a8-48f6-bb7c-ce0866612bbb" providerId="AD" clId="Web-{FCA4740B-0098-4442-61A9-3F6C704437EF}" dt="2023-10-17T17:53:36.486" v="241"/>
-          <ac:spMkLst>
-            <pc:docMk/>
-            <pc:sldMk cId="16281608" sldId="310"/>
-            <ac:spMk id="13" creationId="{2C7CD696-F56E-AABC-CC6A-C60D306B77F8}"/>
-          </ac:spMkLst>
-        </pc:spChg>
-        <pc:spChg chg="del mod">
-          <ac:chgData name="Rolando Rojas Sanfuentes (Alumno)" userId="S::rolando.rojass@usm.cl::2c56a9b6-e5a8-48f6-bb7c-ce0866612bbb" providerId="AD" clId="Web-{FCA4740B-0098-4442-61A9-3F6C704437EF}" dt="2023-10-17T17:52:18.610" v="236"/>
-          <ac:spMkLst>
-            <pc:docMk/>
-            <pc:sldMk cId="16281608" sldId="310"/>
-            <ac:spMk id="15" creationId="{7CC0517C-5B75-5043-8432-C3F609D22E4A}"/>
-          </ac:spMkLst>
-        </pc:spChg>
-        <pc:spChg chg="del">
-          <ac:chgData name="Rolando Rojas Sanfuentes (Alumno)" userId="S::rolando.rojass@usm.cl::2c56a9b6-e5a8-48f6-bb7c-ce0866612bbb" providerId="AD" clId="Web-{FCA4740B-0098-4442-61A9-3F6C704437EF}" dt="2023-10-17T17:53:38.705" v="242"/>
-          <ac:spMkLst>
-            <pc:docMk/>
-            <pc:sldMk cId="16281608" sldId="310"/>
-            <ac:spMk id="17" creationId="{B3540A45-09F8-A826-5FCE-EDFEE04ABD82}"/>
-          </ac:spMkLst>
-        </pc:spChg>
-        <pc:spChg chg="del">
-          <ac:chgData name="Rolando Rojas Sanfuentes (Alumno)" userId="S::rolando.rojass@usm.cl::2c56a9b6-e5a8-48f6-bb7c-ce0866612bbb" providerId="AD" clId="Web-{FCA4740B-0098-4442-61A9-3F6C704437EF}" dt="2023-10-17T17:53:40.392" v="243"/>
-          <ac:spMkLst>
-            <pc:docMk/>
-            <pc:sldMk cId="16281608" sldId="310"/>
-            <ac:spMk id="18" creationId="{E5E9B0B3-67CA-8018-AA94-883611FC651F}"/>
-          </ac:spMkLst>
-        </pc:spChg>
-        <pc:spChg chg="mod">
-          <ac:chgData name="Rolando Rojas Sanfuentes (Alumno)" userId="S::rolando.rojass@usm.cl::2c56a9b6-e5a8-48f6-bb7c-ce0866612bbb" providerId="AD" clId="Web-{FCA4740B-0098-4442-61A9-3F6C704437EF}" dt="2023-10-17T17:51:06.969" v="233" actId="20577"/>
-          <ac:spMkLst>
-            <pc:docMk/>
-            <pc:sldMk cId="16281608" sldId="310"/>
-            <ac:spMk id="295" creationId="{00000000-0000-0000-0000-000000000000}"/>
-          </ac:spMkLst>
-        </pc:spChg>
-        <pc:picChg chg="add del mod">
-          <ac:chgData name="Rolando Rojas Sanfuentes (Alumno)" userId="S::rolando.rojass@usm.cl::2c56a9b6-e5a8-48f6-bb7c-ce0866612bbb" providerId="AD" clId="Web-{FCA4740B-0098-4442-61A9-3F6C704437EF}" dt="2023-10-17T17:55:15.846" v="248"/>
-          <ac:picMkLst>
-            <pc:docMk/>
-            <pc:sldMk cId="16281608" sldId="310"/>
-            <ac:picMk id="2" creationId="{175AFA18-2020-330E-389B-4B508F2451CA}"/>
-          </ac:picMkLst>
-        </pc:picChg>
-        <pc:picChg chg="del">
-          <ac:chgData name="Rolando Rojas Sanfuentes (Alumno)" userId="S::rolando.rojass@usm.cl::2c56a9b6-e5a8-48f6-bb7c-ce0866612bbb" providerId="AD" clId="Web-{FCA4740B-0098-4442-61A9-3F6C704437EF}" dt="2023-10-17T17:53:32.126" v="239"/>
-          <ac:picMkLst>
-            <pc:docMk/>
-            <pc:sldMk cId="16281608" sldId="310"/>
-            <ac:picMk id="3" creationId="{A1663EF1-A120-1316-9530-680DF5772F2B}"/>
-          </ac:picMkLst>
-        </pc:picChg>
-        <pc:picChg chg="del">
-          <ac:chgData name="Rolando Rojas Sanfuentes (Alumno)" userId="S::rolando.rojass@usm.cl::2c56a9b6-e5a8-48f6-bb7c-ce0866612bbb" providerId="AD" clId="Web-{FCA4740B-0098-4442-61A9-3F6C704437EF}" dt="2023-10-17T17:52:14.969" v="234"/>
-          <ac:picMkLst>
-            <pc:docMk/>
-            <pc:sldMk cId="16281608" sldId="310"/>
-            <ac:picMk id="4" creationId="{8FA7C228-2294-25FE-FE99-B0373D3CB8A3}"/>
-          </ac:picMkLst>
-        </pc:picChg>
-        <pc:picChg chg="add mod">
-          <ac:chgData name="Rolando Rojas Sanfuentes (Alumno)" userId="S::rolando.rojass@usm.cl::2c56a9b6-e5a8-48f6-bb7c-ce0866612bbb" providerId="AD" clId="Web-{FCA4740B-0098-4442-61A9-3F6C704437EF}" dt="2023-10-17T17:57:54.207" v="267" actId="1076"/>
-          <ac:picMkLst>
-            <pc:docMk/>
-            <pc:sldMk cId="16281608" sldId="310"/>
-            <ac:picMk id="5" creationId="{88726867-CCBF-17A7-7C4E-6E48F0DB5251}"/>
-          </ac:picMkLst>
-        </pc:picChg>
-        <pc:picChg chg="add mod">
-          <ac:chgData name="Rolando Rojas Sanfuentes (Alumno)" userId="S::rolando.rojass@usm.cl::2c56a9b6-e5a8-48f6-bb7c-ce0866612bbb" providerId="AD" clId="Web-{FCA4740B-0098-4442-61A9-3F6C704437EF}" dt="2023-10-17T17:57:55.957" v="268" actId="1076"/>
-          <ac:picMkLst>
-            <pc:docMk/>
-            <pc:sldMk cId="16281608" sldId="310"/>
-            <ac:picMk id="6" creationId="{EF3B28C6-FA51-1809-0712-D2EBA410A350}"/>
-          </ac:picMkLst>
-        </pc:picChg>
-        <pc:picChg chg="del">
-          <ac:chgData name="Rolando Rojas Sanfuentes (Alumno)" userId="S::rolando.rojass@usm.cl::2c56a9b6-e5a8-48f6-bb7c-ce0866612bbb" providerId="AD" clId="Web-{FCA4740B-0098-4442-61A9-3F6C704437EF}" dt="2023-10-17T17:52:20.048" v="237"/>
-          <ac:picMkLst>
-            <pc:docMk/>
-            <pc:sldMk cId="16281608" sldId="310"/>
-            <ac:picMk id="22" creationId="{4E465FE0-4856-CC79-26B5-032E1F92BD2B}"/>
-          </ac:picMkLst>
-        </pc:picChg>
-      </pc:sldChg>
-      <pc:sldChg chg="delSp modSp">
-        <pc:chgData name="Rolando Rojas Sanfuentes (Alumno)" userId="S::rolando.rojass@usm.cl::2c56a9b6-e5a8-48f6-bb7c-ce0866612bbb" providerId="AD" clId="Web-{FCA4740B-0098-4442-61A9-3F6C704437EF}" dt="2023-10-17T18:01:59.710" v="320" actId="20577"/>
-        <pc:sldMkLst>
-          <pc:docMk/>
-          <pc:sldMk cId="3284822836" sldId="311"/>
-        </pc:sldMkLst>
-        <pc:spChg chg="mod">
-          <ac:chgData name="Rolando Rojas Sanfuentes (Alumno)" userId="S::rolando.rojass@usm.cl::2c56a9b6-e5a8-48f6-bb7c-ce0866612bbb" providerId="AD" clId="Web-{FCA4740B-0098-4442-61A9-3F6C704437EF}" dt="2023-10-17T18:01:59.710" v="320" actId="20577"/>
-          <ac:spMkLst>
-            <pc:docMk/>
-            <pc:sldMk cId="3284822836" sldId="311"/>
-            <ac:spMk id="297" creationId="{00000000-0000-0000-0000-000000000000}"/>
-          </ac:spMkLst>
-        </pc:spChg>
-        <pc:picChg chg="del">
-          <ac:chgData name="Rolando Rojas Sanfuentes (Alumno)" userId="S::rolando.rojass@usm.cl::2c56a9b6-e5a8-48f6-bb7c-ce0866612bbb" providerId="AD" clId="Web-{FCA4740B-0098-4442-61A9-3F6C704437EF}" dt="2023-10-17T17:59:33.521" v="287"/>
-          <ac:picMkLst>
-            <pc:docMk/>
-            <pc:sldMk cId="3284822836" sldId="311"/>
-            <ac:picMk id="11" creationId="{8A5A5A89-B2CA-3D7E-DBDB-DB183FD8D18D}"/>
-          </ac:picMkLst>
-        </pc:picChg>
-      </pc:sldChg>
-      <pc:sldChg chg="del">
-        <pc:chgData name="Rolando Rojas Sanfuentes (Alumno)" userId="S::rolando.rojass@usm.cl::2c56a9b6-e5a8-48f6-bb7c-ce0866612bbb" providerId="AD" clId="Web-{FCA4740B-0098-4442-61A9-3F6C704437EF}" dt="2023-10-17T18:07:39.291" v="358"/>
-        <pc:sldMkLst>
-          <pc:docMk/>
-          <pc:sldMk cId="1726947347" sldId="312"/>
-        </pc:sldMkLst>
-      </pc:sldChg>
-      <pc:sldChg chg="modSp">
-        <pc:chgData name="Rolando Rojas Sanfuentes (Alumno)" userId="S::rolando.rojass@usm.cl::2c56a9b6-e5a8-48f6-bb7c-ce0866612bbb" providerId="AD" clId="Web-{FCA4740B-0098-4442-61A9-3F6C704437EF}" dt="2023-10-17T18:07:54.494" v="362" actId="20577"/>
-        <pc:sldMkLst>
-          <pc:docMk/>
-          <pc:sldMk cId="2404114276" sldId="313"/>
-        </pc:sldMkLst>
-        <pc:spChg chg="mod">
-          <ac:chgData name="Rolando Rojas Sanfuentes (Alumno)" userId="S::rolando.rojass@usm.cl::2c56a9b6-e5a8-48f6-bb7c-ce0866612bbb" providerId="AD" clId="Web-{FCA4740B-0098-4442-61A9-3F6C704437EF}" dt="2023-10-17T18:07:54.494" v="362" actId="20577"/>
-          <ac:spMkLst>
-            <pc:docMk/>
-            <pc:sldMk cId="2404114276" sldId="313"/>
-            <ac:spMk id="220" creationId="{00000000-0000-0000-0000-000000000000}"/>
-          </ac:spMkLst>
-        </pc:spChg>
-      </pc:sldChg>
-      <pc:sldChg chg="del">
-        <pc:chgData name="Rolando Rojas Sanfuentes (Alumno)" userId="S::rolando.rojass@usm.cl::2c56a9b6-e5a8-48f6-bb7c-ce0866612bbb" providerId="AD" clId="Web-{FCA4740B-0098-4442-61A9-3F6C704437EF}" dt="2023-10-17T18:07:38.104" v="357"/>
-        <pc:sldMkLst>
-          <pc:docMk/>
-          <pc:sldMk cId="2261931841" sldId="315"/>
-        </pc:sldMkLst>
-      </pc:sldChg>
-      <pc:sldChg chg="addSp delSp modSp">
-        <pc:chgData name="Rolando Rojas Sanfuentes (Alumno)" userId="S::rolando.rojass@usm.cl::2c56a9b6-e5a8-48f6-bb7c-ce0866612bbb" providerId="AD" clId="Web-{FCA4740B-0098-4442-61A9-3F6C704437EF}" dt="2023-10-17T18:07:20.760" v="354" actId="1076"/>
-        <pc:sldMkLst>
-          <pc:docMk/>
-          <pc:sldMk cId="3095675664" sldId="316"/>
-        </pc:sldMkLst>
-        <pc:spChg chg="del mod">
-          <ac:chgData name="Rolando Rojas Sanfuentes (Alumno)" userId="S::rolando.rojass@usm.cl::2c56a9b6-e5a8-48f6-bb7c-ce0866612bbb" providerId="AD" clId="Web-{FCA4740B-0098-4442-61A9-3F6C704437EF}" dt="2023-10-17T18:06:56.228" v="347"/>
-          <ac:spMkLst>
-            <pc:docMk/>
-            <pc:sldMk cId="3095675664" sldId="316"/>
-            <ac:spMk id="4" creationId="{F3A8A43A-B48D-A1F2-BEF1-2D0191AC09B4}"/>
-          </ac:spMkLst>
-        </pc:spChg>
-        <pc:picChg chg="add mod">
-          <ac:chgData name="Rolando Rojas Sanfuentes (Alumno)" userId="S::rolando.rojass@usm.cl::2c56a9b6-e5a8-48f6-bb7c-ce0866612bbb" providerId="AD" clId="Web-{FCA4740B-0098-4442-61A9-3F6C704437EF}" dt="2023-10-17T18:07:20.760" v="354" actId="1076"/>
-          <ac:picMkLst>
-            <pc:docMk/>
-            <pc:sldMk cId="3095675664" sldId="316"/>
-            <ac:picMk id="2" creationId="{2A8E0411-EF38-B229-AAE0-1F4AC9CAB3AB}"/>
-          </ac:picMkLst>
-        </pc:picChg>
-      </pc:sldChg>
-      <pc:sldChg chg="del">
-        <pc:chgData name="Rolando Rojas Sanfuentes (Alumno)" userId="S::rolando.rojass@usm.cl::2c56a9b6-e5a8-48f6-bb7c-ce0866612bbb" providerId="AD" clId="Web-{FCA4740B-0098-4442-61A9-3F6C704437EF}" dt="2023-10-17T18:07:34.775" v="355"/>
-        <pc:sldMkLst>
-          <pc:docMk/>
-          <pc:sldMk cId="3563710656" sldId="317"/>
-        </pc:sldMkLst>
-      </pc:sldChg>
-      <pc:sldChg chg="del">
-        <pc:chgData name="Rolando Rojas Sanfuentes (Alumno)" userId="S::rolando.rojass@usm.cl::2c56a9b6-e5a8-48f6-bb7c-ce0866612bbb" providerId="AD" clId="Web-{FCA4740B-0098-4442-61A9-3F6C704437EF}" dt="2023-10-17T18:07:36.041" v="356"/>
-        <pc:sldMkLst>
-          <pc:docMk/>
-          <pc:sldMk cId="2973588755" sldId="318"/>
-        </pc:sldMkLst>
-      </pc:sldChg>
-      <pc:sldChg chg="addSp delSp modSp add replId">
-        <pc:chgData name="Rolando Rojas Sanfuentes (Alumno)" userId="S::rolando.rojass@usm.cl::2c56a9b6-e5a8-48f6-bb7c-ce0866612bbb" providerId="AD" clId="Web-{FCA4740B-0098-4442-61A9-3F6C704437EF}" dt="2023-10-17T17:48:46.608" v="162" actId="20577"/>
-        <pc:sldMkLst>
-          <pc:docMk/>
-          <pc:sldMk cId="3303317194" sldId="321"/>
-        </pc:sldMkLst>
-        <pc:spChg chg="add mod">
-          <ac:chgData name="Rolando Rojas Sanfuentes (Alumno)" userId="S::rolando.rojass@usm.cl::2c56a9b6-e5a8-48f6-bb7c-ce0866612bbb" providerId="AD" clId="Web-{FCA4740B-0098-4442-61A9-3F6C704437EF}" dt="2023-10-17T17:47:19.560" v="92" actId="20577"/>
-          <ac:spMkLst>
-            <pc:docMk/>
-            <pc:sldMk cId="3303317194" sldId="321"/>
-            <ac:spMk id="5" creationId="{C3B49FF2-3F55-2BEA-B4D8-79EA8FEDBAC3}"/>
-          </ac:spMkLst>
-        </pc:spChg>
-        <pc:spChg chg="add del">
-          <ac:chgData name="Rolando Rojas Sanfuentes (Alumno)" userId="S::rolando.rojass@usm.cl::2c56a9b6-e5a8-48f6-bb7c-ce0866612bbb" providerId="AD" clId="Web-{FCA4740B-0098-4442-61A9-3F6C704437EF}" dt="2023-10-17T17:44:18.699" v="51"/>
-          <ac:spMkLst>
-            <pc:docMk/>
-            <pc:sldMk cId="3303317194" sldId="321"/>
-            <ac:spMk id="8" creationId="{AFB86896-9155-B9F7-0BC5-2BE88FA36330}"/>
-          </ac:spMkLst>
-        </pc:spChg>
-        <pc:spChg chg="del">
-          <ac:chgData name="Rolando Rojas Sanfuentes (Alumno)" userId="S::rolando.rojass@usm.cl::2c56a9b6-e5a8-48f6-bb7c-ce0866612bbb" providerId="AD" clId="Web-{FCA4740B-0098-4442-61A9-3F6C704437EF}" dt="2023-10-17T17:41:02.947" v="27"/>
-          <ac:spMkLst>
-            <pc:docMk/>
-            <pc:sldMk cId="3303317194" sldId="321"/>
-            <ac:spMk id="10" creationId="{83E389B4-56A3-0683-DDCA-8D09994DA1DE}"/>
-          </ac:spMkLst>
-        </pc:spChg>
-        <pc:spChg chg="del">
-          <ac:chgData name="Rolando Rojas Sanfuentes (Alumno)" userId="S::rolando.rojass@usm.cl::2c56a9b6-e5a8-48f6-bb7c-ce0866612bbb" providerId="AD" clId="Web-{FCA4740B-0098-4442-61A9-3F6C704437EF}" dt="2023-10-17T17:41:12.385" v="35"/>
-          <ac:spMkLst>
-            <pc:docMk/>
-            <pc:sldMk cId="3303317194" sldId="321"/>
-            <ac:spMk id="11" creationId="{7498B5A7-02C6-6080-1A99-27691BEE1B30}"/>
-          </ac:spMkLst>
-        </pc:spChg>
-        <pc:spChg chg="add mod">
-          <ac:chgData name="Rolando Rojas Sanfuentes (Alumno)" userId="S::rolando.rojass@usm.cl::2c56a9b6-e5a8-48f6-bb7c-ce0866612bbb" providerId="AD" clId="Web-{FCA4740B-0098-4442-61A9-3F6C704437EF}" dt="2023-10-17T17:47:07.732" v="89" actId="14100"/>
-          <ac:spMkLst>
-            <pc:docMk/>
-            <pc:sldMk cId="3303317194" sldId="321"/>
-            <ac:spMk id="13" creationId="{53A5B69E-11D2-E249-9D53-8234314EF9C0}"/>
-          </ac:spMkLst>
-        </pc:spChg>
-        <pc:spChg chg="add del">
-          <ac:chgData name="Rolando Rojas Sanfuentes (Alumno)" userId="S::rolando.rojass@usm.cl::2c56a9b6-e5a8-48f6-bb7c-ce0866612bbb" providerId="AD" clId="Web-{FCA4740B-0098-4442-61A9-3F6C704437EF}" dt="2023-10-17T17:46:38.607" v="81"/>
-          <ac:spMkLst>
-            <pc:docMk/>
-            <pc:sldMk cId="3303317194" sldId="321"/>
-            <ac:spMk id="14" creationId="{CFD1A567-BEA8-0600-A60F-5B96A044FE5F}"/>
-          </ac:spMkLst>
-        </pc:spChg>
-        <pc:spChg chg="add mod">
-          <ac:chgData name="Rolando Rojas Sanfuentes (Alumno)" userId="S::rolando.rojass@usm.cl::2c56a9b6-e5a8-48f6-bb7c-ce0866612bbb" providerId="AD" clId="Web-{FCA4740B-0098-4442-61A9-3F6C704437EF}" dt="2023-10-17T17:48:46.608" v="162" actId="20577"/>
-          <ac:spMkLst>
-            <pc:docMk/>
-            <pc:sldMk cId="3303317194" sldId="321"/>
-            <ac:spMk id="19" creationId="{5B6BE57E-DC6D-DED1-D441-F2213B2867CA}"/>
-          </ac:spMkLst>
-        </pc:spChg>
-        <pc:spChg chg="mod">
-          <ac:chgData name="Rolando Rojas Sanfuentes (Alumno)" userId="S::rolando.rojass@usm.cl::2c56a9b6-e5a8-48f6-bb7c-ce0866612bbb" providerId="AD" clId="Web-{FCA4740B-0098-4442-61A9-3F6C704437EF}" dt="2023-10-17T17:40:59.728" v="25" actId="20577"/>
-          <ac:spMkLst>
-            <pc:docMk/>
-            <pc:sldMk cId="3303317194" sldId="321"/>
-            <ac:spMk id="295" creationId="{00000000-0000-0000-0000-000000000000}"/>
-          </ac:spMkLst>
-        </pc:spChg>
-        <pc:picChg chg="del">
-          <ac:chgData name="Rolando Rojas Sanfuentes (Alumno)" userId="S::rolando.rojass@usm.cl::2c56a9b6-e5a8-48f6-bb7c-ce0866612bbb" providerId="AD" clId="Web-{FCA4740B-0098-4442-61A9-3F6C704437EF}" dt="2023-10-17T17:41:06.463" v="31"/>
-          <ac:picMkLst>
-            <pc:docMk/>
-            <pc:sldMk cId="3303317194" sldId="321"/>
-            <ac:picMk id="2" creationId="{5771532D-C72F-43B4-FC3D-020FD3636A0D}"/>
-          </ac:picMkLst>
-        </pc:picChg>
-        <pc:picChg chg="del">
-          <ac:chgData name="Rolando Rojas Sanfuentes (Alumno)" userId="S::rolando.rojass@usm.cl::2c56a9b6-e5a8-48f6-bb7c-ce0866612bbb" providerId="AD" clId="Web-{FCA4740B-0098-4442-61A9-3F6C704437EF}" dt="2023-10-17T17:41:06.463" v="30"/>
-          <ac:picMkLst>
-            <pc:docMk/>
-            <pc:sldMk cId="3303317194" sldId="321"/>
-            <ac:picMk id="3" creationId="{8F589843-C3CE-5614-E34B-7222CB56C587}"/>
-          </ac:picMkLst>
-        </pc:picChg>
-        <pc:picChg chg="del">
-          <ac:chgData name="Rolando Rojas Sanfuentes (Alumno)" userId="S::rolando.rojass@usm.cl::2c56a9b6-e5a8-48f6-bb7c-ce0866612bbb" providerId="AD" clId="Web-{FCA4740B-0098-4442-61A9-3F6C704437EF}" dt="2023-10-17T17:41:06.463" v="29"/>
-          <ac:picMkLst>
-            <pc:docMk/>
-            <pc:sldMk cId="3303317194" sldId="321"/>
-            <ac:picMk id="6" creationId="{A953160C-7705-474E-FC0B-75EF5AEF8E1B}"/>
-          </ac:picMkLst>
-        </pc:picChg>
-        <pc:picChg chg="del">
-          <ac:chgData name="Rolando Rojas Sanfuentes (Alumno)" userId="S::rolando.rojass@usm.cl::2c56a9b6-e5a8-48f6-bb7c-ce0866612bbb" providerId="AD" clId="Web-{FCA4740B-0098-4442-61A9-3F6C704437EF}" dt="2023-10-17T17:41:06.463" v="28"/>
-          <ac:picMkLst>
-            <pc:docMk/>
-            <pc:sldMk cId="3303317194" sldId="321"/>
-            <ac:picMk id="9" creationId="{BA742215-4D01-9760-66D1-92DA3601FB5E}"/>
-          </ac:picMkLst>
-        </pc:picChg>
-        <pc:picChg chg="add mod">
-          <ac:chgData name="Rolando Rojas Sanfuentes (Alumno)" userId="S::rolando.rojass@usm.cl::2c56a9b6-e5a8-48f6-bb7c-ce0866612bbb" providerId="AD" clId="Web-{FCA4740B-0098-4442-61A9-3F6C704437EF}" dt="2023-10-17T17:46:47.435" v="85" actId="1076"/>
-          <ac:picMkLst>
-            <pc:docMk/>
-            <pc:sldMk cId="3303317194" sldId="321"/>
-            <ac:picMk id="12" creationId="{7EC6DED6-0ACE-6133-682B-B85E8805B22F}"/>
-          </ac:picMkLst>
-        </pc:picChg>
-        <pc:picChg chg="del">
-          <ac:chgData name="Rolando Rojas Sanfuentes (Alumno)" userId="S::rolando.rojass@usm.cl::2c56a9b6-e5a8-48f6-bb7c-ce0866612bbb" providerId="AD" clId="Web-{FCA4740B-0098-4442-61A9-3F6C704437EF}" dt="2023-10-17T17:41:00.306" v="26"/>
-          <ac:picMkLst>
-            <pc:docMk/>
-            <pc:sldMk cId="3303317194" sldId="321"/>
-            <ac:picMk id="16" creationId="{B34D5EE4-5595-F84A-5BE0-73226A777CFF}"/>
-          </ac:picMkLst>
-        </pc:picChg>
-        <pc:picChg chg="del mod">
-          <ac:chgData name="Rolando Rojas Sanfuentes (Alumno)" userId="S::rolando.rojass@usm.cl::2c56a9b6-e5a8-48f6-bb7c-ce0866612bbb" providerId="AD" clId="Web-{FCA4740B-0098-4442-61A9-3F6C704437EF}" dt="2023-10-17T17:41:12.385" v="34"/>
-          <ac:picMkLst>
-            <pc:docMk/>
-            <pc:sldMk cId="3303317194" sldId="321"/>
-            <ac:picMk id="17" creationId="{AD18205F-06F9-EB44-1D21-96AD777E9B35}"/>
-          </ac:picMkLst>
-        </pc:picChg>
-        <pc:picChg chg="del">
-          <ac:chgData name="Rolando Rojas Sanfuentes (Alumno)" userId="S::rolando.rojass@usm.cl::2c56a9b6-e5a8-48f6-bb7c-ce0866612bbb" providerId="AD" clId="Web-{FCA4740B-0098-4442-61A9-3F6C704437EF}" dt="2023-10-17T17:41:12.385" v="33"/>
-          <ac:picMkLst>
-            <pc:docMk/>
-            <pc:sldMk cId="3303317194" sldId="321"/>
-            <ac:picMk id="18" creationId="{8C233525-06F6-9188-2AB3-25CE8C29B400}"/>
-          </ac:picMkLst>
-        </pc:picChg>
-      </pc:sldChg>
-      <pc:sldChg chg="addSp delSp modSp add replId">
-        <pc:chgData name="Rolando Rojas Sanfuentes (Alumno)" userId="S::rolando.rojass@usm.cl::2c56a9b6-e5a8-48f6-bb7c-ce0866612bbb" providerId="AD" clId="Web-{FCA4740B-0098-4442-61A9-3F6C704437EF}" dt="2023-10-17T17:50:50.547" v="227" actId="20577"/>
-        <pc:sldMkLst>
-          <pc:docMk/>
-          <pc:sldMk cId="4242194992" sldId="322"/>
-        </pc:sldMkLst>
-        <pc:spChg chg="mod">
-          <ac:chgData name="Rolando Rojas Sanfuentes (Alumno)" userId="S::rolando.rojass@usm.cl::2c56a9b6-e5a8-48f6-bb7c-ce0866612bbb" providerId="AD" clId="Web-{FCA4740B-0098-4442-61A9-3F6C704437EF}" dt="2023-10-17T17:49:46.702" v="182" actId="20577"/>
-          <ac:spMkLst>
-            <pc:docMk/>
-            <pc:sldMk cId="4242194992" sldId="322"/>
-            <ac:spMk id="5" creationId="{C3B49FF2-3F55-2BEA-B4D8-79EA8FEDBAC3}"/>
-          </ac:spMkLst>
-        </pc:spChg>
-        <pc:spChg chg="mod">
-          <ac:chgData name="Rolando Rojas Sanfuentes (Alumno)" userId="S::rolando.rojass@usm.cl::2c56a9b6-e5a8-48f6-bb7c-ce0866612bbb" providerId="AD" clId="Web-{FCA4740B-0098-4442-61A9-3F6C704437EF}" dt="2023-10-17T17:50:23.687" v="192" actId="14100"/>
-          <ac:spMkLst>
-            <pc:docMk/>
-            <pc:sldMk cId="4242194992" sldId="322"/>
-            <ac:spMk id="13" creationId="{53A5B69E-11D2-E249-9D53-8234314EF9C0}"/>
-          </ac:spMkLst>
-        </pc:spChg>
-        <pc:spChg chg="mod">
-          <ac:chgData name="Rolando Rojas Sanfuentes (Alumno)" userId="S::rolando.rojass@usm.cl::2c56a9b6-e5a8-48f6-bb7c-ce0866612bbb" providerId="AD" clId="Web-{FCA4740B-0098-4442-61A9-3F6C704437EF}" dt="2023-10-17T17:50:50.547" v="227" actId="20577"/>
-          <ac:spMkLst>
-            <pc:docMk/>
-            <pc:sldMk cId="4242194992" sldId="322"/>
-            <ac:spMk id="19" creationId="{5B6BE57E-DC6D-DED1-D441-F2213B2867CA}"/>
-          </ac:spMkLst>
-        </pc:spChg>
-        <pc:picChg chg="add mod">
-          <ac:chgData name="Rolando Rojas Sanfuentes (Alumno)" userId="S::rolando.rojass@usm.cl::2c56a9b6-e5a8-48f6-bb7c-ce0866612bbb" providerId="AD" clId="Web-{FCA4740B-0098-4442-61A9-3F6C704437EF}" dt="2023-10-17T17:49:57.890" v="186" actId="14100"/>
-          <ac:picMkLst>
-            <pc:docMk/>
-            <pc:sldMk cId="4242194992" sldId="322"/>
-            <ac:picMk id="2" creationId="{88761260-7A86-9786-8BDE-E7DB6223E3C8}"/>
-          </ac:picMkLst>
-        </pc:picChg>
-        <pc:picChg chg="del">
-          <ac:chgData name="Rolando Rojas Sanfuentes (Alumno)" userId="S::rolando.rojass@usm.cl::2c56a9b6-e5a8-48f6-bb7c-ce0866612bbb" providerId="AD" clId="Web-{FCA4740B-0098-4442-61A9-3F6C704437EF}" dt="2023-10-17T17:49:47.609" v="183"/>
-          <ac:picMkLst>
-            <pc:docMk/>
-            <pc:sldMk cId="4242194992" sldId="322"/>
-            <ac:picMk id="12" creationId="{7EC6DED6-0ACE-6133-682B-B85E8805B22F}"/>
-          </ac:picMkLst>
-        </pc:picChg>
-      </pc:sldChg>
-      <pc:sldChg chg="addSp delSp modSp add replId">
-        <pc:chgData name="Rolando Rojas Sanfuentes (Alumno)" userId="S::rolando.rojass@usm.cl::2c56a9b6-e5a8-48f6-bb7c-ce0866612bbb" providerId="AD" clId="Web-{FCA4740B-0098-4442-61A9-3F6C704437EF}" dt="2023-10-17T18:06:39.384" v="344" actId="1076"/>
-        <pc:sldMkLst>
-          <pc:docMk/>
-          <pc:sldMk cId="1543025398" sldId="323"/>
-        </pc:sldMkLst>
-        <pc:spChg chg="add del">
-          <ac:chgData name="Rolando Rojas Sanfuentes (Alumno)" userId="S::rolando.rojass@usm.cl::2c56a9b6-e5a8-48f6-bb7c-ce0866612bbb" providerId="AD" clId="Web-{FCA4740B-0098-4442-61A9-3F6C704437EF}" dt="2023-10-17T18:03:08.148" v="330"/>
-          <ac:spMkLst>
-            <pc:docMk/>
-            <pc:sldMk cId="1543025398" sldId="323"/>
-            <ac:spMk id="2" creationId="{988A800F-04A8-6B3B-713D-83D74D6DFF8A}"/>
-          </ac:spMkLst>
-        </pc:spChg>
-        <pc:spChg chg="mod">
-          <ac:chgData name="Rolando Rojas Sanfuentes (Alumno)" userId="S::rolando.rojass@usm.cl::2c56a9b6-e5a8-48f6-bb7c-ce0866612bbb" providerId="AD" clId="Web-{FCA4740B-0098-4442-61A9-3F6C704437EF}" dt="2023-10-17T18:03:47.117" v="336" actId="14100"/>
-          <ac:spMkLst>
-            <pc:docMk/>
-            <pc:sldMk cId="1543025398" sldId="323"/>
-            <ac:spMk id="297" creationId="{00000000-0000-0000-0000-000000000000}"/>
-          </ac:spMkLst>
-        </pc:spChg>
-        <pc:picChg chg="add mod">
-          <ac:chgData name="Rolando Rojas Sanfuentes (Alumno)" userId="S::rolando.rojass@usm.cl::2c56a9b6-e5a8-48f6-bb7c-ce0866612bbb" providerId="AD" clId="Web-{FCA4740B-0098-4442-61A9-3F6C704437EF}" dt="2023-10-17T18:03:54.664" v="339" actId="1076"/>
-          <ac:picMkLst>
-            <pc:docMk/>
-            <pc:sldMk cId="1543025398" sldId="323"/>
-            <ac:picMk id="3" creationId="{4F172A48-CC34-4237-D916-8E534A3DC9F1}"/>
-          </ac:picMkLst>
-        </pc:picChg>
-        <pc:picChg chg="add mod">
-          <ac:chgData name="Rolando Rojas Sanfuentes (Alumno)" userId="S::rolando.rojass@usm.cl::2c56a9b6-e5a8-48f6-bb7c-ce0866612bbb" providerId="AD" clId="Web-{FCA4740B-0098-4442-61A9-3F6C704437EF}" dt="2023-10-17T18:06:39.384" v="344" actId="1076"/>
-          <ac:picMkLst>
-            <pc:docMk/>
-            <pc:sldMk cId="1543025398" sldId="323"/>
-            <ac:picMk id="4" creationId="{B5CF47FD-1769-FFC2-359D-94B355160F6B}"/>
-          </ac:picMkLst>
-        </pc:picChg>
-      </pc:sldChg>
-    </pc:docChg>
-  </pc:docChgLst>
-  <pc:docChgLst>
-    <pc:chgData name="Rolando Rojas Sanfuentes (Alumno)" userId="S::rolando.rojass@usm.cl::2c56a9b6-e5a8-48f6-bb7c-ce0866612bbb" providerId="AD" clId="Web-{CF59C108-4A39-F1E4-495B-CDE943CD7097}"/>
-    <pc:docChg chg="modSld">
-      <pc:chgData name="Rolando Rojas Sanfuentes (Alumno)" userId="S::rolando.rojass@usm.cl::2c56a9b6-e5a8-48f6-bb7c-ce0866612bbb" providerId="AD" clId="Web-{CF59C108-4A39-F1E4-495B-CDE943CD7097}" dt="2023-10-17T16:24:44.758" v="1"/>
-      <pc:docMkLst>
-        <pc:docMk/>
-      </pc:docMkLst>
-      <pc:sldChg chg="addSp delSp modSp">
-        <pc:chgData name="Rolando Rojas Sanfuentes (Alumno)" userId="S::rolando.rojass@usm.cl::2c56a9b6-e5a8-48f6-bb7c-ce0866612bbb" providerId="AD" clId="Web-{CF59C108-4A39-F1E4-495B-CDE943CD7097}" dt="2023-10-17T16:24:44.758" v="1"/>
-        <pc:sldMkLst>
-          <pc:docMk/>
-          <pc:sldMk cId="3216645914" sldId="306"/>
-        </pc:sldMkLst>
-        <pc:spChg chg="add mod">
-          <ac:chgData name="Rolando Rojas Sanfuentes (Alumno)" userId="S::rolando.rojass@usm.cl::2c56a9b6-e5a8-48f6-bb7c-ce0866612bbb" providerId="AD" clId="Web-{CF59C108-4A39-F1E4-495B-CDE943CD7097}" dt="2023-10-17T16:24:41.555" v="0"/>
-          <ac:spMkLst>
-            <pc:docMk/>
-            <pc:sldMk cId="3216645914" sldId="306"/>
-            <ac:spMk id="4" creationId="{B3079B04-1353-2071-38A5-D73BBBA839DC}"/>
-          </ac:spMkLst>
-        </pc:spChg>
-        <pc:spChg chg="del">
-          <ac:chgData name="Rolando Rojas Sanfuentes (Alumno)" userId="S::rolando.rojass@usm.cl::2c56a9b6-e5a8-48f6-bb7c-ce0866612bbb" providerId="AD" clId="Web-{CF59C108-4A39-F1E4-495B-CDE943CD7097}" dt="2023-10-17T16:24:41.555" v="0"/>
-          <ac:spMkLst>
-            <pc:docMk/>
-            <pc:sldMk cId="3216645914" sldId="306"/>
-            <ac:spMk id="295" creationId="{00000000-0000-0000-0000-000000000000}"/>
-          </ac:spMkLst>
-        </pc:spChg>
-        <pc:picChg chg="del">
-          <ac:chgData name="Rolando Rojas Sanfuentes (Alumno)" userId="S::rolando.rojass@usm.cl::2c56a9b6-e5a8-48f6-bb7c-ce0866612bbb" providerId="AD" clId="Web-{CF59C108-4A39-F1E4-495B-CDE943CD7097}" dt="2023-10-17T16:24:44.758" v="1"/>
-          <ac:picMkLst>
-            <pc:docMk/>
-            <pc:sldMk cId="3216645914" sldId="306"/>
-            <ac:picMk id="2" creationId="{7810570E-688A-4566-3455-9AF97A9F4328}"/>
-          </ac:picMkLst>
-        </pc:picChg>
-      </pc:sldChg>
-    </pc:docChg>
-  </pc:docChgLst>
   <pc:docChgLst>
     <pc:chgData name="Rolando Rojas Sanfuentes (Alumno)" userId="S::rolando.rojass@usm.cl::2c56a9b6-e5a8-48f6-bb7c-ce0866612bbb" providerId="AD" clId="Web-{48094A1A-1C98-BD2F-AFDE-7E89D47FED78}"/>
     <pc:docChg chg="addSld modSld">
@@ -2309,6 +1708,623 @@
             <ac:picMk id="2" creationId="{67C6E124-9F01-D0E8-AF64-CB2DF13FCB40}"/>
           </ac:picMkLst>
         </pc:picChg>
+      </pc:sldChg>
+    </pc:docChg>
+  </pc:docChgLst>
+  <pc:docChgLst>
+    <pc:chgData name="Rolando Rojas Sanfuentes (Alumno)" userId="S::rolando.rojass@usm.cl::2c56a9b6-e5a8-48f6-bb7c-ce0866612bbb" providerId="AD" clId="Web-{CF59C108-4A39-F1E4-495B-CDE943CD7097}"/>
+    <pc:docChg chg="modSld">
+      <pc:chgData name="Rolando Rojas Sanfuentes (Alumno)" userId="S::rolando.rojass@usm.cl::2c56a9b6-e5a8-48f6-bb7c-ce0866612bbb" providerId="AD" clId="Web-{CF59C108-4A39-F1E4-495B-CDE943CD7097}" dt="2023-10-17T16:24:44.758" v="1"/>
+      <pc:docMkLst>
+        <pc:docMk/>
+      </pc:docMkLst>
+      <pc:sldChg chg="addSp delSp modSp">
+        <pc:chgData name="Rolando Rojas Sanfuentes (Alumno)" userId="S::rolando.rojass@usm.cl::2c56a9b6-e5a8-48f6-bb7c-ce0866612bbb" providerId="AD" clId="Web-{CF59C108-4A39-F1E4-495B-CDE943CD7097}" dt="2023-10-17T16:24:44.758" v="1"/>
+        <pc:sldMkLst>
+          <pc:docMk/>
+          <pc:sldMk cId="3216645914" sldId="306"/>
+        </pc:sldMkLst>
+        <pc:spChg chg="add mod">
+          <ac:chgData name="Rolando Rojas Sanfuentes (Alumno)" userId="S::rolando.rojass@usm.cl::2c56a9b6-e5a8-48f6-bb7c-ce0866612bbb" providerId="AD" clId="Web-{CF59C108-4A39-F1E4-495B-CDE943CD7097}" dt="2023-10-17T16:24:41.555" v="0"/>
+          <ac:spMkLst>
+            <pc:docMk/>
+            <pc:sldMk cId="3216645914" sldId="306"/>
+            <ac:spMk id="4" creationId="{B3079B04-1353-2071-38A5-D73BBBA839DC}"/>
+          </ac:spMkLst>
+        </pc:spChg>
+        <pc:spChg chg="del">
+          <ac:chgData name="Rolando Rojas Sanfuentes (Alumno)" userId="S::rolando.rojass@usm.cl::2c56a9b6-e5a8-48f6-bb7c-ce0866612bbb" providerId="AD" clId="Web-{CF59C108-4A39-F1E4-495B-CDE943CD7097}" dt="2023-10-17T16:24:41.555" v="0"/>
+          <ac:spMkLst>
+            <pc:docMk/>
+            <pc:sldMk cId="3216645914" sldId="306"/>
+            <ac:spMk id="295" creationId="{00000000-0000-0000-0000-000000000000}"/>
+          </ac:spMkLst>
+        </pc:spChg>
+        <pc:picChg chg="del">
+          <ac:chgData name="Rolando Rojas Sanfuentes (Alumno)" userId="S::rolando.rojass@usm.cl::2c56a9b6-e5a8-48f6-bb7c-ce0866612bbb" providerId="AD" clId="Web-{CF59C108-4A39-F1E4-495B-CDE943CD7097}" dt="2023-10-17T16:24:44.758" v="1"/>
+          <ac:picMkLst>
+            <pc:docMk/>
+            <pc:sldMk cId="3216645914" sldId="306"/>
+            <ac:picMk id="2" creationId="{7810570E-688A-4566-3455-9AF97A9F4328}"/>
+          </ac:picMkLst>
+        </pc:picChg>
+      </pc:sldChg>
+    </pc:docChg>
+  </pc:docChgLst>
+  <pc:docChgLst>
+    <pc:chgData name="Rolando Rojas Sanfuentes (Alumno)" userId="S::rolando.rojass@usm.cl::2c56a9b6-e5a8-48f6-bb7c-ce0866612bbb" providerId="AD" clId="Web-{FCA4740B-0098-4442-61A9-3F6C704437EF}"/>
+    <pc:docChg chg="addSld delSld modSld">
+      <pc:chgData name="Rolando Rojas Sanfuentes (Alumno)" userId="S::rolando.rojass@usm.cl::2c56a9b6-e5a8-48f6-bb7c-ce0866612bbb" providerId="AD" clId="Web-{FCA4740B-0098-4442-61A9-3F6C704437EF}" dt="2023-10-17T18:12:18.591" v="389" actId="1076"/>
+      <pc:docMkLst>
+        <pc:docMk/>
+      </pc:docMkLst>
+      <pc:sldChg chg="modSp">
+        <pc:chgData name="Rolando Rojas Sanfuentes (Alumno)" userId="S::rolando.rojass@usm.cl::2c56a9b6-e5a8-48f6-bb7c-ce0866612bbb" providerId="AD" clId="Web-{FCA4740B-0098-4442-61A9-3F6C704437EF}" dt="2023-10-17T18:10:30.949" v="364" actId="20577"/>
+        <pc:sldMkLst>
+          <pc:docMk/>
+          <pc:sldMk cId="0" sldId="296"/>
+        </pc:sldMkLst>
+        <pc:spChg chg="mod">
+          <ac:chgData name="Rolando Rojas Sanfuentes (Alumno)" userId="S::rolando.rojass@usm.cl::2c56a9b6-e5a8-48f6-bb7c-ce0866612bbb" providerId="AD" clId="Web-{FCA4740B-0098-4442-61A9-3F6C704437EF}" dt="2023-10-17T18:10:30.949" v="364" actId="20577"/>
+          <ac:spMkLst>
+            <pc:docMk/>
+            <pc:sldMk cId="0" sldId="296"/>
+            <ac:spMk id="220" creationId="{00000000-0000-0000-0000-000000000000}"/>
+          </ac:spMkLst>
+        </pc:spChg>
+      </pc:sldChg>
+      <pc:sldChg chg="addSp delSp modSp">
+        <pc:chgData name="Rolando Rojas Sanfuentes (Alumno)" userId="S::rolando.rojass@usm.cl::2c56a9b6-e5a8-48f6-bb7c-ce0866612bbb" providerId="AD" clId="Web-{FCA4740B-0098-4442-61A9-3F6C704437EF}" dt="2023-10-17T18:12:18.591" v="389" actId="1076"/>
+        <pc:sldMkLst>
+          <pc:docMk/>
+          <pc:sldMk cId="0" sldId="297"/>
+        </pc:sldMkLst>
+        <pc:spChg chg="add del mod">
+          <ac:chgData name="Rolando Rojas Sanfuentes (Alumno)" userId="S::rolando.rojass@usm.cl::2c56a9b6-e5a8-48f6-bb7c-ce0866612bbb" providerId="AD" clId="Web-{FCA4740B-0098-4442-61A9-3F6C704437EF}" dt="2023-10-17T18:11:19.731" v="378"/>
+          <ac:spMkLst>
+            <pc:docMk/>
+            <pc:sldMk cId="0" sldId="297"/>
+            <ac:spMk id="3" creationId="{F46125FD-0452-FC09-781D-91CD80CF4180}"/>
+          </ac:spMkLst>
+        </pc:spChg>
+        <pc:spChg chg="add del mod">
+          <ac:chgData name="Rolando Rojas Sanfuentes (Alumno)" userId="S::rolando.rojass@usm.cl::2c56a9b6-e5a8-48f6-bb7c-ce0866612bbb" providerId="AD" clId="Web-{FCA4740B-0098-4442-61A9-3F6C704437EF}" dt="2023-10-17T18:11:14.496" v="377"/>
+          <ac:spMkLst>
+            <pc:docMk/>
+            <pc:sldMk cId="0" sldId="297"/>
+            <ac:spMk id="5" creationId="{9817C07B-5516-45E3-CA74-FD2CE514FAB7}"/>
+          </ac:spMkLst>
+        </pc:spChg>
+        <pc:spChg chg="mod">
+          <ac:chgData name="Rolando Rojas Sanfuentes (Alumno)" userId="S::rolando.rojass@usm.cl::2c56a9b6-e5a8-48f6-bb7c-ce0866612bbb" providerId="AD" clId="Web-{FCA4740B-0098-4442-61A9-3F6C704437EF}" dt="2023-10-17T18:11:04.465" v="374" actId="20577"/>
+          <ac:spMkLst>
+            <pc:docMk/>
+            <pc:sldMk cId="0" sldId="297"/>
+            <ac:spMk id="241" creationId="{00000000-0000-0000-0000-000000000000}"/>
+          </ac:spMkLst>
+        </pc:spChg>
+        <pc:spChg chg="del">
+          <ac:chgData name="Rolando Rojas Sanfuentes (Alumno)" userId="S::rolando.rojass@usm.cl::2c56a9b6-e5a8-48f6-bb7c-ce0866612bbb" providerId="AD" clId="Web-{FCA4740B-0098-4442-61A9-3F6C704437EF}" dt="2023-10-17T18:11:09.824" v="376"/>
+          <ac:spMkLst>
+            <pc:docMk/>
+            <pc:sldMk cId="0" sldId="297"/>
+            <ac:spMk id="243" creationId="{00000000-0000-0000-0000-000000000000}"/>
+          </ac:spMkLst>
+        </pc:spChg>
+        <pc:spChg chg="del">
+          <ac:chgData name="Rolando Rojas Sanfuentes (Alumno)" userId="S::rolando.rojass@usm.cl::2c56a9b6-e5a8-48f6-bb7c-ce0866612bbb" providerId="AD" clId="Web-{FCA4740B-0098-4442-61A9-3F6C704437EF}" dt="2023-10-17T18:11:07.168" v="375"/>
+          <ac:spMkLst>
+            <pc:docMk/>
+            <pc:sldMk cId="0" sldId="297"/>
+            <ac:spMk id="244" creationId="{00000000-0000-0000-0000-000000000000}"/>
+          </ac:spMkLst>
+        </pc:spChg>
+        <pc:spChg chg="mod">
+          <ac:chgData name="Rolando Rojas Sanfuentes (Alumno)" userId="S::rolando.rojass@usm.cl::2c56a9b6-e5a8-48f6-bb7c-ce0866612bbb" providerId="AD" clId="Web-{FCA4740B-0098-4442-61A9-3F6C704437EF}" dt="2023-10-17T18:12:15.231" v="388" actId="1076"/>
+          <ac:spMkLst>
+            <pc:docMk/>
+            <pc:sldMk cId="0" sldId="297"/>
+            <ac:spMk id="246" creationId="{00000000-0000-0000-0000-000000000000}"/>
+          </ac:spMkLst>
+        </pc:spChg>
+        <pc:spChg chg="mod">
+          <ac:chgData name="Rolando Rojas Sanfuentes (Alumno)" userId="S::rolando.rojass@usm.cl::2c56a9b6-e5a8-48f6-bb7c-ce0866612bbb" providerId="AD" clId="Web-{FCA4740B-0098-4442-61A9-3F6C704437EF}" dt="2023-10-17T18:12:18.591" v="389" actId="1076"/>
+          <ac:spMkLst>
+            <pc:docMk/>
+            <pc:sldMk cId="0" sldId="297"/>
+            <ac:spMk id="247" creationId="{00000000-0000-0000-0000-000000000000}"/>
+          </ac:spMkLst>
+        </pc:spChg>
+        <pc:spChg chg="mod">
+          <ac:chgData name="Rolando Rojas Sanfuentes (Alumno)" userId="S::rolando.rojass@usm.cl::2c56a9b6-e5a8-48f6-bb7c-ce0866612bbb" providerId="AD" clId="Web-{FCA4740B-0098-4442-61A9-3F6C704437EF}" dt="2023-10-17T18:12:07.778" v="386" actId="1076"/>
+          <ac:spMkLst>
+            <pc:docMk/>
+            <pc:sldMk cId="0" sldId="297"/>
+            <ac:spMk id="248" creationId="{00000000-0000-0000-0000-000000000000}"/>
+          </ac:spMkLst>
+        </pc:spChg>
+        <pc:spChg chg="mod">
+          <ac:chgData name="Rolando Rojas Sanfuentes (Alumno)" userId="S::rolando.rojass@usm.cl::2c56a9b6-e5a8-48f6-bb7c-ce0866612bbb" providerId="AD" clId="Web-{FCA4740B-0098-4442-61A9-3F6C704437EF}" dt="2023-10-17T18:12:10.622" v="387" actId="1076"/>
+          <ac:spMkLst>
+            <pc:docMk/>
+            <pc:sldMk cId="0" sldId="297"/>
+            <ac:spMk id="249" creationId="{00000000-0000-0000-0000-000000000000}"/>
+          </ac:spMkLst>
+        </pc:spChg>
+      </pc:sldChg>
+      <pc:sldChg chg="modSp del">
+        <pc:chgData name="Rolando Rojas Sanfuentes (Alumno)" userId="S::rolando.rojass@usm.cl::2c56a9b6-e5a8-48f6-bb7c-ce0866612bbb" providerId="AD" clId="Web-{FCA4740B-0098-4442-61A9-3F6C704437EF}" dt="2023-10-17T17:40:37.275" v="7"/>
+        <pc:sldMkLst>
+          <pc:docMk/>
+          <pc:sldMk cId="3216645914" sldId="306"/>
+        </pc:sldMkLst>
+        <pc:spChg chg="mod">
+          <ac:chgData name="Rolando Rojas Sanfuentes (Alumno)" userId="S::rolando.rojass@usm.cl::2c56a9b6-e5a8-48f6-bb7c-ce0866612bbb" providerId="AD" clId="Web-{FCA4740B-0098-4442-61A9-3F6C704437EF}" dt="2023-10-17T17:40:30.416" v="6" actId="20577"/>
+          <ac:spMkLst>
+            <pc:docMk/>
+            <pc:sldMk cId="3216645914" sldId="306"/>
+            <ac:spMk id="4" creationId="{B3079B04-1353-2071-38A5-D73BBBA839DC}"/>
+          </ac:spMkLst>
+        </pc:spChg>
+      </pc:sldChg>
+      <pc:sldChg chg="del">
+        <pc:chgData name="Rolando Rojas Sanfuentes (Alumno)" userId="S::rolando.rojass@usm.cl::2c56a9b6-e5a8-48f6-bb7c-ce0866612bbb" providerId="AD" clId="Web-{FCA4740B-0098-4442-61A9-3F6C704437EF}" dt="2023-10-17T17:50:58.719" v="228"/>
+        <pc:sldMkLst>
+          <pc:docMk/>
+          <pc:sldMk cId="815688110" sldId="308"/>
+        </pc:sldMkLst>
+      </pc:sldChg>
+      <pc:sldChg chg="del">
+        <pc:chgData name="Rolando Rojas Sanfuentes (Alumno)" userId="S::rolando.rojass@usm.cl::2c56a9b6-e5a8-48f6-bb7c-ce0866612bbb" providerId="AD" clId="Web-{FCA4740B-0098-4442-61A9-3F6C704437EF}" dt="2023-10-17T17:51:00.031" v="229"/>
+        <pc:sldMkLst>
+          <pc:docMk/>
+          <pc:sldMk cId="3768251299" sldId="309"/>
+        </pc:sldMkLst>
+      </pc:sldChg>
+      <pc:sldChg chg="addSp delSp modSp">
+        <pc:chgData name="Rolando Rojas Sanfuentes (Alumno)" userId="S::rolando.rojass@usm.cl::2c56a9b6-e5a8-48f6-bb7c-ce0866612bbb" providerId="AD" clId="Web-{FCA4740B-0098-4442-61A9-3F6C704437EF}" dt="2023-10-17T17:58:36.598" v="281" actId="20577"/>
+        <pc:sldMkLst>
+          <pc:docMk/>
+          <pc:sldMk cId="16281608" sldId="310"/>
+        </pc:sldMkLst>
+        <pc:spChg chg="add mod">
+          <ac:chgData name="Rolando Rojas Sanfuentes (Alumno)" userId="S::rolando.rojass@usm.cl::2c56a9b6-e5a8-48f6-bb7c-ce0866612bbb" providerId="AD" clId="Web-{FCA4740B-0098-4442-61A9-3F6C704437EF}" dt="2023-10-17T17:58:36.598" v="281" actId="20577"/>
+          <ac:spMkLst>
+            <pc:docMk/>
+            <pc:sldMk cId="16281608" sldId="310"/>
+            <ac:spMk id="8" creationId="{971D9B88-1CC5-3EA4-BCC6-2164A12195FA}"/>
+          </ac:spMkLst>
+        </pc:spChg>
+        <pc:spChg chg="del">
+          <ac:chgData name="Rolando Rojas Sanfuentes (Alumno)" userId="S::rolando.rojass@usm.cl::2c56a9b6-e5a8-48f6-bb7c-ce0866612bbb" providerId="AD" clId="Web-{FCA4740B-0098-4442-61A9-3F6C704437EF}" dt="2023-10-17T17:53:34.423" v="240"/>
+          <ac:spMkLst>
+            <pc:docMk/>
+            <pc:sldMk cId="16281608" sldId="310"/>
+            <ac:spMk id="11" creationId="{AC6BCBDE-13F1-1D26-3172-BD7FCA86568B}"/>
+          </ac:spMkLst>
+        </pc:spChg>
+        <pc:spChg chg="del">
+          <ac:chgData name="Rolando Rojas Sanfuentes (Alumno)" userId="S::rolando.rojass@usm.cl::2c56a9b6-e5a8-48f6-bb7c-ce0866612bbb" providerId="AD" clId="Web-{FCA4740B-0098-4442-61A9-3F6C704437EF}" dt="2023-10-17T17:53:36.486" v="241"/>
+          <ac:spMkLst>
+            <pc:docMk/>
+            <pc:sldMk cId="16281608" sldId="310"/>
+            <ac:spMk id="13" creationId="{2C7CD696-F56E-AABC-CC6A-C60D306B77F8}"/>
+          </ac:spMkLst>
+        </pc:spChg>
+        <pc:spChg chg="del mod">
+          <ac:chgData name="Rolando Rojas Sanfuentes (Alumno)" userId="S::rolando.rojass@usm.cl::2c56a9b6-e5a8-48f6-bb7c-ce0866612bbb" providerId="AD" clId="Web-{FCA4740B-0098-4442-61A9-3F6C704437EF}" dt="2023-10-17T17:52:18.610" v="236"/>
+          <ac:spMkLst>
+            <pc:docMk/>
+            <pc:sldMk cId="16281608" sldId="310"/>
+            <ac:spMk id="15" creationId="{7CC0517C-5B75-5043-8432-C3F609D22E4A}"/>
+          </ac:spMkLst>
+        </pc:spChg>
+        <pc:spChg chg="del">
+          <ac:chgData name="Rolando Rojas Sanfuentes (Alumno)" userId="S::rolando.rojass@usm.cl::2c56a9b6-e5a8-48f6-bb7c-ce0866612bbb" providerId="AD" clId="Web-{FCA4740B-0098-4442-61A9-3F6C704437EF}" dt="2023-10-17T17:53:38.705" v="242"/>
+          <ac:spMkLst>
+            <pc:docMk/>
+            <pc:sldMk cId="16281608" sldId="310"/>
+            <ac:spMk id="17" creationId="{B3540A45-09F8-A826-5FCE-EDFEE04ABD82}"/>
+          </ac:spMkLst>
+        </pc:spChg>
+        <pc:spChg chg="del">
+          <ac:chgData name="Rolando Rojas Sanfuentes (Alumno)" userId="S::rolando.rojass@usm.cl::2c56a9b6-e5a8-48f6-bb7c-ce0866612bbb" providerId="AD" clId="Web-{FCA4740B-0098-4442-61A9-3F6C704437EF}" dt="2023-10-17T17:53:40.392" v="243"/>
+          <ac:spMkLst>
+            <pc:docMk/>
+            <pc:sldMk cId="16281608" sldId="310"/>
+            <ac:spMk id="18" creationId="{E5E9B0B3-67CA-8018-AA94-883611FC651F}"/>
+          </ac:spMkLst>
+        </pc:spChg>
+        <pc:spChg chg="mod">
+          <ac:chgData name="Rolando Rojas Sanfuentes (Alumno)" userId="S::rolando.rojass@usm.cl::2c56a9b6-e5a8-48f6-bb7c-ce0866612bbb" providerId="AD" clId="Web-{FCA4740B-0098-4442-61A9-3F6C704437EF}" dt="2023-10-17T17:51:06.969" v="233" actId="20577"/>
+          <ac:spMkLst>
+            <pc:docMk/>
+            <pc:sldMk cId="16281608" sldId="310"/>
+            <ac:spMk id="295" creationId="{00000000-0000-0000-0000-000000000000}"/>
+          </ac:spMkLst>
+        </pc:spChg>
+        <pc:picChg chg="add del mod">
+          <ac:chgData name="Rolando Rojas Sanfuentes (Alumno)" userId="S::rolando.rojass@usm.cl::2c56a9b6-e5a8-48f6-bb7c-ce0866612bbb" providerId="AD" clId="Web-{FCA4740B-0098-4442-61A9-3F6C704437EF}" dt="2023-10-17T17:55:15.846" v="248"/>
+          <ac:picMkLst>
+            <pc:docMk/>
+            <pc:sldMk cId="16281608" sldId="310"/>
+            <ac:picMk id="2" creationId="{175AFA18-2020-330E-389B-4B508F2451CA}"/>
+          </ac:picMkLst>
+        </pc:picChg>
+        <pc:picChg chg="del">
+          <ac:chgData name="Rolando Rojas Sanfuentes (Alumno)" userId="S::rolando.rojass@usm.cl::2c56a9b6-e5a8-48f6-bb7c-ce0866612bbb" providerId="AD" clId="Web-{FCA4740B-0098-4442-61A9-3F6C704437EF}" dt="2023-10-17T17:53:32.126" v="239"/>
+          <ac:picMkLst>
+            <pc:docMk/>
+            <pc:sldMk cId="16281608" sldId="310"/>
+            <ac:picMk id="3" creationId="{A1663EF1-A120-1316-9530-680DF5772F2B}"/>
+          </ac:picMkLst>
+        </pc:picChg>
+        <pc:picChg chg="del">
+          <ac:chgData name="Rolando Rojas Sanfuentes (Alumno)" userId="S::rolando.rojass@usm.cl::2c56a9b6-e5a8-48f6-bb7c-ce0866612bbb" providerId="AD" clId="Web-{FCA4740B-0098-4442-61A9-3F6C704437EF}" dt="2023-10-17T17:52:14.969" v="234"/>
+          <ac:picMkLst>
+            <pc:docMk/>
+            <pc:sldMk cId="16281608" sldId="310"/>
+            <ac:picMk id="4" creationId="{8FA7C228-2294-25FE-FE99-B0373D3CB8A3}"/>
+          </ac:picMkLst>
+        </pc:picChg>
+        <pc:picChg chg="add mod">
+          <ac:chgData name="Rolando Rojas Sanfuentes (Alumno)" userId="S::rolando.rojass@usm.cl::2c56a9b6-e5a8-48f6-bb7c-ce0866612bbb" providerId="AD" clId="Web-{FCA4740B-0098-4442-61A9-3F6C704437EF}" dt="2023-10-17T17:57:54.207" v="267" actId="1076"/>
+          <ac:picMkLst>
+            <pc:docMk/>
+            <pc:sldMk cId="16281608" sldId="310"/>
+            <ac:picMk id="5" creationId="{88726867-CCBF-17A7-7C4E-6E48F0DB5251}"/>
+          </ac:picMkLst>
+        </pc:picChg>
+        <pc:picChg chg="add mod">
+          <ac:chgData name="Rolando Rojas Sanfuentes (Alumno)" userId="S::rolando.rojass@usm.cl::2c56a9b6-e5a8-48f6-bb7c-ce0866612bbb" providerId="AD" clId="Web-{FCA4740B-0098-4442-61A9-3F6C704437EF}" dt="2023-10-17T17:57:55.957" v="268" actId="1076"/>
+          <ac:picMkLst>
+            <pc:docMk/>
+            <pc:sldMk cId="16281608" sldId="310"/>
+            <ac:picMk id="6" creationId="{EF3B28C6-FA51-1809-0712-D2EBA410A350}"/>
+          </ac:picMkLst>
+        </pc:picChg>
+        <pc:picChg chg="del">
+          <ac:chgData name="Rolando Rojas Sanfuentes (Alumno)" userId="S::rolando.rojass@usm.cl::2c56a9b6-e5a8-48f6-bb7c-ce0866612bbb" providerId="AD" clId="Web-{FCA4740B-0098-4442-61A9-3F6C704437EF}" dt="2023-10-17T17:52:20.048" v="237"/>
+          <ac:picMkLst>
+            <pc:docMk/>
+            <pc:sldMk cId="16281608" sldId="310"/>
+            <ac:picMk id="22" creationId="{4E465FE0-4856-CC79-26B5-032E1F92BD2B}"/>
+          </ac:picMkLst>
+        </pc:picChg>
+      </pc:sldChg>
+      <pc:sldChg chg="delSp modSp">
+        <pc:chgData name="Rolando Rojas Sanfuentes (Alumno)" userId="S::rolando.rojass@usm.cl::2c56a9b6-e5a8-48f6-bb7c-ce0866612bbb" providerId="AD" clId="Web-{FCA4740B-0098-4442-61A9-3F6C704437EF}" dt="2023-10-17T18:01:59.710" v="320" actId="20577"/>
+        <pc:sldMkLst>
+          <pc:docMk/>
+          <pc:sldMk cId="3284822836" sldId="311"/>
+        </pc:sldMkLst>
+        <pc:spChg chg="mod">
+          <ac:chgData name="Rolando Rojas Sanfuentes (Alumno)" userId="S::rolando.rojass@usm.cl::2c56a9b6-e5a8-48f6-bb7c-ce0866612bbb" providerId="AD" clId="Web-{FCA4740B-0098-4442-61A9-3F6C704437EF}" dt="2023-10-17T18:01:59.710" v="320" actId="20577"/>
+          <ac:spMkLst>
+            <pc:docMk/>
+            <pc:sldMk cId="3284822836" sldId="311"/>
+            <ac:spMk id="297" creationId="{00000000-0000-0000-0000-000000000000}"/>
+          </ac:spMkLst>
+        </pc:spChg>
+        <pc:picChg chg="del">
+          <ac:chgData name="Rolando Rojas Sanfuentes (Alumno)" userId="S::rolando.rojass@usm.cl::2c56a9b6-e5a8-48f6-bb7c-ce0866612bbb" providerId="AD" clId="Web-{FCA4740B-0098-4442-61A9-3F6C704437EF}" dt="2023-10-17T17:59:33.521" v="287"/>
+          <ac:picMkLst>
+            <pc:docMk/>
+            <pc:sldMk cId="3284822836" sldId="311"/>
+            <ac:picMk id="11" creationId="{8A5A5A89-B2CA-3D7E-DBDB-DB183FD8D18D}"/>
+          </ac:picMkLst>
+        </pc:picChg>
+      </pc:sldChg>
+      <pc:sldChg chg="del">
+        <pc:chgData name="Rolando Rojas Sanfuentes (Alumno)" userId="S::rolando.rojass@usm.cl::2c56a9b6-e5a8-48f6-bb7c-ce0866612bbb" providerId="AD" clId="Web-{FCA4740B-0098-4442-61A9-3F6C704437EF}" dt="2023-10-17T18:07:39.291" v="358"/>
+        <pc:sldMkLst>
+          <pc:docMk/>
+          <pc:sldMk cId="1726947347" sldId="312"/>
+        </pc:sldMkLst>
+      </pc:sldChg>
+      <pc:sldChg chg="modSp">
+        <pc:chgData name="Rolando Rojas Sanfuentes (Alumno)" userId="S::rolando.rojass@usm.cl::2c56a9b6-e5a8-48f6-bb7c-ce0866612bbb" providerId="AD" clId="Web-{FCA4740B-0098-4442-61A9-3F6C704437EF}" dt="2023-10-17T18:07:54.494" v="362" actId="20577"/>
+        <pc:sldMkLst>
+          <pc:docMk/>
+          <pc:sldMk cId="2404114276" sldId="313"/>
+        </pc:sldMkLst>
+        <pc:spChg chg="mod">
+          <ac:chgData name="Rolando Rojas Sanfuentes (Alumno)" userId="S::rolando.rojass@usm.cl::2c56a9b6-e5a8-48f6-bb7c-ce0866612bbb" providerId="AD" clId="Web-{FCA4740B-0098-4442-61A9-3F6C704437EF}" dt="2023-10-17T18:07:54.494" v="362" actId="20577"/>
+          <ac:spMkLst>
+            <pc:docMk/>
+            <pc:sldMk cId="2404114276" sldId="313"/>
+            <ac:spMk id="220" creationId="{00000000-0000-0000-0000-000000000000}"/>
+          </ac:spMkLst>
+        </pc:spChg>
+      </pc:sldChg>
+      <pc:sldChg chg="del">
+        <pc:chgData name="Rolando Rojas Sanfuentes (Alumno)" userId="S::rolando.rojass@usm.cl::2c56a9b6-e5a8-48f6-bb7c-ce0866612bbb" providerId="AD" clId="Web-{FCA4740B-0098-4442-61A9-3F6C704437EF}" dt="2023-10-17T18:07:38.104" v="357"/>
+        <pc:sldMkLst>
+          <pc:docMk/>
+          <pc:sldMk cId="2261931841" sldId="315"/>
+        </pc:sldMkLst>
+      </pc:sldChg>
+      <pc:sldChg chg="addSp delSp modSp">
+        <pc:chgData name="Rolando Rojas Sanfuentes (Alumno)" userId="S::rolando.rojass@usm.cl::2c56a9b6-e5a8-48f6-bb7c-ce0866612bbb" providerId="AD" clId="Web-{FCA4740B-0098-4442-61A9-3F6C704437EF}" dt="2023-10-17T18:07:20.760" v="354" actId="1076"/>
+        <pc:sldMkLst>
+          <pc:docMk/>
+          <pc:sldMk cId="3095675664" sldId="316"/>
+        </pc:sldMkLst>
+        <pc:spChg chg="del mod">
+          <ac:chgData name="Rolando Rojas Sanfuentes (Alumno)" userId="S::rolando.rojass@usm.cl::2c56a9b6-e5a8-48f6-bb7c-ce0866612bbb" providerId="AD" clId="Web-{FCA4740B-0098-4442-61A9-3F6C704437EF}" dt="2023-10-17T18:06:56.228" v="347"/>
+          <ac:spMkLst>
+            <pc:docMk/>
+            <pc:sldMk cId="3095675664" sldId="316"/>
+            <ac:spMk id="4" creationId="{F3A8A43A-B48D-A1F2-BEF1-2D0191AC09B4}"/>
+          </ac:spMkLst>
+        </pc:spChg>
+        <pc:picChg chg="add mod">
+          <ac:chgData name="Rolando Rojas Sanfuentes (Alumno)" userId="S::rolando.rojass@usm.cl::2c56a9b6-e5a8-48f6-bb7c-ce0866612bbb" providerId="AD" clId="Web-{FCA4740B-0098-4442-61A9-3F6C704437EF}" dt="2023-10-17T18:07:20.760" v="354" actId="1076"/>
+          <ac:picMkLst>
+            <pc:docMk/>
+            <pc:sldMk cId="3095675664" sldId="316"/>
+            <ac:picMk id="2" creationId="{2A8E0411-EF38-B229-AAE0-1F4AC9CAB3AB}"/>
+          </ac:picMkLst>
+        </pc:picChg>
+      </pc:sldChg>
+      <pc:sldChg chg="del">
+        <pc:chgData name="Rolando Rojas Sanfuentes (Alumno)" userId="S::rolando.rojass@usm.cl::2c56a9b6-e5a8-48f6-bb7c-ce0866612bbb" providerId="AD" clId="Web-{FCA4740B-0098-4442-61A9-3F6C704437EF}" dt="2023-10-17T18:07:34.775" v="355"/>
+        <pc:sldMkLst>
+          <pc:docMk/>
+          <pc:sldMk cId="3563710656" sldId="317"/>
+        </pc:sldMkLst>
+      </pc:sldChg>
+      <pc:sldChg chg="del">
+        <pc:chgData name="Rolando Rojas Sanfuentes (Alumno)" userId="S::rolando.rojass@usm.cl::2c56a9b6-e5a8-48f6-bb7c-ce0866612bbb" providerId="AD" clId="Web-{FCA4740B-0098-4442-61A9-3F6C704437EF}" dt="2023-10-17T18:07:36.041" v="356"/>
+        <pc:sldMkLst>
+          <pc:docMk/>
+          <pc:sldMk cId="2973588755" sldId="318"/>
+        </pc:sldMkLst>
+      </pc:sldChg>
+      <pc:sldChg chg="addSp delSp modSp add replId">
+        <pc:chgData name="Rolando Rojas Sanfuentes (Alumno)" userId="S::rolando.rojass@usm.cl::2c56a9b6-e5a8-48f6-bb7c-ce0866612bbb" providerId="AD" clId="Web-{FCA4740B-0098-4442-61A9-3F6C704437EF}" dt="2023-10-17T17:48:46.608" v="162" actId="20577"/>
+        <pc:sldMkLst>
+          <pc:docMk/>
+          <pc:sldMk cId="3303317194" sldId="321"/>
+        </pc:sldMkLst>
+        <pc:spChg chg="add mod">
+          <ac:chgData name="Rolando Rojas Sanfuentes (Alumno)" userId="S::rolando.rojass@usm.cl::2c56a9b6-e5a8-48f6-bb7c-ce0866612bbb" providerId="AD" clId="Web-{FCA4740B-0098-4442-61A9-3F6C704437EF}" dt="2023-10-17T17:47:19.560" v="92" actId="20577"/>
+          <ac:spMkLst>
+            <pc:docMk/>
+            <pc:sldMk cId="3303317194" sldId="321"/>
+            <ac:spMk id="5" creationId="{C3B49FF2-3F55-2BEA-B4D8-79EA8FEDBAC3}"/>
+          </ac:spMkLst>
+        </pc:spChg>
+        <pc:spChg chg="add del">
+          <ac:chgData name="Rolando Rojas Sanfuentes (Alumno)" userId="S::rolando.rojass@usm.cl::2c56a9b6-e5a8-48f6-bb7c-ce0866612bbb" providerId="AD" clId="Web-{FCA4740B-0098-4442-61A9-3F6C704437EF}" dt="2023-10-17T17:44:18.699" v="51"/>
+          <ac:spMkLst>
+            <pc:docMk/>
+            <pc:sldMk cId="3303317194" sldId="321"/>
+            <ac:spMk id="8" creationId="{AFB86896-9155-B9F7-0BC5-2BE88FA36330}"/>
+          </ac:spMkLst>
+        </pc:spChg>
+        <pc:spChg chg="del">
+          <ac:chgData name="Rolando Rojas Sanfuentes (Alumno)" userId="S::rolando.rojass@usm.cl::2c56a9b6-e5a8-48f6-bb7c-ce0866612bbb" providerId="AD" clId="Web-{FCA4740B-0098-4442-61A9-3F6C704437EF}" dt="2023-10-17T17:41:02.947" v="27"/>
+          <ac:spMkLst>
+            <pc:docMk/>
+            <pc:sldMk cId="3303317194" sldId="321"/>
+            <ac:spMk id="10" creationId="{83E389B4-56A3-0683-DDCA-8D09994DA1DE}"/>
+          </ac:spMkLst>
+        </pc:spChg>
+        <pc:spChg chg="del">
+          <ac:chgData name="Rolando Rojas Sanfuentes (Alumno)" userId="S::rolando.rojass@usm.cl::2c56a9b6-e5a8-48f6-bb7c-ce0866612bbb" providerId="AD" clId="Web-{FCA4740B-0098-4442-61A9-3F6C704437EF}" dt="2023-10-17T17:41:12.385" v="35"/>
+          <ac:spMkLst>
+            <pc:docMk/>
+            <pc:sldMk cId="3303317194" sldId="321"/>
+            <ac:spMk id="11" creationId="{7498B5A7-02C6-6080-1A99-27691BEE1B30}"/>
+          </ac:spMkLst>
+        </pc:spChg>
+        <pc:spChg chg="add mod">
+          <ac:chgData name="Rolando Rojas Sanfuentes (Alumno)" userId="S::rolando.rojass@usm.cl::2c56a9b6-e5a8-48f6-bb7c-ce0866612bbb" providerId="AD" clId="Web-{FCA4740B-0098-4442-61A9-3F6C704437EF}" dt="2023-10-17T17:47:07.732" v="89" actId="14100"/>
+          <ac:spMkLst>
+            <pc:docMk/>
+            <pc:sldMk cId="3303317194" sldId="321"/>
+            <ac:spMk id="13" creationId="{53A5B69E-11D2-E249-9D53-8234314EF9C0}"/>
+          </ac:spMkLst>
+        </pc:spChg>
+        <pc:spChg chg="add del">
+          <ac:chgData name="Rolando Rojas Sanfuentes (Alumno)" userId="S::rolando.rojass@usm.cl::2c56a9b6-e5a8-48f6-bb7c-ce0866612bbb" providerId="AD" clId="Web-{FCA4740B-0098-4442-61A9-3F6C704437EF}" dt="2023-10-17T17:46:38.607" v="81"/>
+          <ac:spMkLst>
+            <pc:docMk/>
+            <pc:sldMk cId="3303317194" sldId="321"/>
+            <ac:spMk id="14" creationId="{CFD1A567-BEA8-0600-A60F-5B96A044FE5F}"/>
+          </ac:spMkLst>
+        </pc:spChg>
+        <pc:spChg chg="add mod">
+          <ac:chgData name="Rolando Rojas Sanfuentes (Alumno)" userId="S::rolando.rojass@usm.cl::2c56a9b6-e5a8-48f6-bb7c-ce0866612bbb" providerId="AD" clId="Web-{FCA4740B-0098-4442-61A9-3F6C704437EF}" dt="2023-10-17T17:48:46.608" v="162" actId="20577"/>
+          <ac:spMkLst>
+            <pc:docMk/>
+            <pc:sldMk cId="3303317194" sldId="321"/>
+            <ac:spMk id="19" creationId="{5B6BE57E-DC6D-DED1-D441-F2213B2867CA}"/>
+          </ac:spMkLst>
+        </pc:spChg>
+        <pc:spChg chg="mod">
+          <ac:chgData name="Rolando Rojas Sanfuentes (Alumno)" userId="S::rolando.rojass@usm.cl::2c56a9b6-e5a8-48f6-bb7c-ce0866612bbb" providerId="AD" clId="Web-{FCA4740B-0098-4442-61A9-3F6C704437EF}" dt="2023-10-17T17:40:59.728" v="25" actId="20577"/>
+          <ac:spMkLst>
+            <pc:docMk/>
+            <pc:sldMk cId="3303317194" sldId="321"/>
+            <ac:spMk id="295" creationId="{00000000-0000-0000-0000-000000000000}"/>
+          </ac:spMkLst>
+        </pc:spChg>
+        <pc:picChg chg="del">
+          <ac:chgData name="Rolando Rojas Sanfuentes (Alumno)" userId="S::rolando.rojass@usm.cl::2c56a9b6-e5a8-48f6-bb7c-ce0866612bbb" providerId="AD" clId="Web-{FCA4740B-0098-4442-61A9-3F6C704437EF}" dt="2023-10-17T17:41:06.463" v="31"/>
+          <ac:picMkLst>
+            <pc:docMk/>
+            <pc:sldMk cId="3303317194" sldId="321"/>
+            <ac:picMk id="2" creationId="{5771532D-C72F-43B4-FC3D-020FD3636A0D}"/>
+          </ac:picMkLst>
+        </pc:picChg>
+        <pc:picChg chg="del">
+          <ac:chgData name="Rolando Rojas Sanfuentes (Alumno)" userId="S::rolando.rojass@usm.cl::2c56a9b6-e5a8-48f6-bb7c-ce0866612bbb" providerId="AD" clId="Web-{FCA4740B-0098-4442-61A9-3F6C704437EF}" dt="2023-10-17T17:41:06.463" v="30"/>
+          <ac:picMkLst>
+            <pc:docMk/>
+            <pc:sldMk cId="3303317194" sldId="321"/>
+            <ac:picMk id="3" creationId="{8F589843-C3CE-5614-E34B-7222CB56C587}"/>
+          </ac:picMkLst>
+        </pc:picChg>
+        <pc:picChg chg="del">
+          <ac:chgData name="Rolando Rojas Sanfuentes (Alumno)" userId="S::rolando.rojass@usm.cl::2c56a9b6-e5a8-48f6-bb7c-ce0866612bbb" providerId="AD" clId="Web-{FCA4740B-0098-4442-61A9-3F6C704437EF}" dt="2023-10-17T17:41:06.463" v="29"/>
+          <ac:picMkLst>
+            <pc:docMk/>
+            <pc:sldMk cId="3303317194" sldId="321"/>
+            <ac:picMk id="6" creationId="{A953160C-7705-474E-FC0B-75EF5AEF8E1B}"/>
+          </ac:picMkLst>
+        </pc:picChg>
+        <pc:picChg chg="del">
+          <ac:chgData name="Rolando Rojas Sanfuentes (Alumno)" userId="S::rolando.rojass@usm.cl::2c56a9b6-e5a8-48f6-bb7c-ce0866612bbb" providerId="AD" clId="Web-{FCA4740B-0098-4442-61A9-3F6C704437EF}" dt="2023-10-17T17:41:06.463" v="28"/>
+          <ac:picMkLst>
+            <pc:docMk/>
+            <pc:sldMk cId="3303317194" sldId="321"/>
+            <ac:picMk id="9" creationId="{BA742215-4D01-9760-66D1-92DA3601FB5E}"/>
+          </ac:picMkLst>
+        </pc:picChg>
+        <pc:picChg chg="add mod">
+          <ac:chgData name="Rolando Rojas Sanfuentes (Alumno)" userId="S::rolando.rojass@usm.cl::2c56a9b6-e5a8-48f6-bb7c-ce0866612bbb" providerId="AD" clId="Web-{FCA4740B-0098-4442-61A9-3F6C704437EF}" dt="2023-10-17T17:46:47.435" v="85" actId="1076"/>
+          <ac:picMkLst>
+            <pc:docMk/>
+            <pc:sldMk cId="3303317194" sldId="321"/>
+            <ac:picMk id="12" creationId="{7EC6DED6-0ACE-6133-682B-B85E8805B22F}"/>
+          </ac:picMkLst>
+        </pc:picChg>
+        <pc:picChg chg="del">
+          <ac:chgData name="Rolando Rojas Sanfuentes (Alumno)" userId="S::rolando.rojass@usm.cl::2c56a9b6-e5a8-48f6-bb7c-ce0866612bbb" providerId="AD" clId="Web-{FCA4740B-0098-4442-61A9-3F6C704437EF}" dt="2023-10-17T17:41:00.306" v="26"/>
+          <ac:picMkLst>
+            <pc:docMk/>
+            <pc:sldMk cId="3303317194" sldId="321"/>
+            <ac:picMk id="16" creationId="{B34D5EE4-5595-F84A-5BE0-73226A777CFF}"/>
+          </ac:picMkLst>
+        </pc:picChg>
+        <pc:picChg chg="del mod">
+          <ac:chgData name="Rolando Rojas Sanfuentes (Alumno)" userId="S::rolando.rojass@usm.cl::2c56a9b6-e5a8-48f6-bb7c-ce0866612bbb" providerId="AD" clId="Web-{FCA4740B-0098-4442-61A9-3F6C704437EF}" dt="2023-10-17T17:41:12.385" v="34"/>
+          <ac:picMkLst>
+            <pc:docMk/>
+            <pc:sldMk cId="3303317194" sldId="321"/>
+            <ac:picMk id="17" creationId="{AD18205F-06F9-EB44-1D21-96AD777E9B35}"/>
+          </ac:picMkLst>
+        </pc:picChg>
+        <pc:picChg chg="del">
+          <ac:chgData name="Rolando Rojas Sanfuentes (Alumno)" userId="S::rolando.rojass@usm.cl::2c56a9b6-e5a8-48f6-bb7c-ce0866612bbb" providerId="AD" clId="Web-{FCA4740B-0098-4442-61A9-3F6C704437EF}" dt="2023-10-17T17:41:12.385" v="33"/>
+          <ac:picMkLst>
+            <pc:docMk/>
+            <pc:sldMk cId="3303317194" sldId="321"/>
+            <ac:picMk id="18" creationId="{8C233525-06F6-9188-2AB3-25CE8C29B400}"/>
+          </ac:picMkLst>
+        </pc:picChg>
+      </pc:sldChg>
+      <pc:sldChg chg="addSp delSp modSp add replId">
+        <pc:chgData name="Rolando Rojas Sanfuentes (Alumno)" userId="S::rolando.rojass@usm.cl::2c56a9b6-e5a8-48f6-bb7c-ce0866612bbb" providerId="AD" clId="Web-{FCA4740B-0098-4442-61A9-3F6C704437EF}" dt="2023-10-17T17:50:50.547" v="227" actId="20577"/>
+        <pc:sldMkLst>
+          <pc:docMk/>
+          <pc:sldMk cId="4242194992" sldId="322"/>
+        </pc:sldMkLst>
+        <pc:spChg chg="mod">
+          <ac:chgData name="Rolando Rojas Sanfuentes (Alumno)" userId="S::rolando.rojass@usm.cl::2c56a9b6-e5a8-48f6-bb7c-ce0866612bbb" providerId="AD" clId="Web-{FCA4740B-0098-4442-61A9-3F6C704437EF}" dt="2023-10-17T17:49:46.702" v="182" actId="20577"/>
+          <ac:spMkLst>
+            <pc:docMk/>
+            <pc:sldMk cId="4242194992" sldId="322"/>
+            <ac:spMk id="5" creationId="{C3B49FF2-3F55-2BEA-B4D8-79EA8FEDBAC3}"/>
+          </ac:spMkLst>
+        </pc:spChg>
+        <pc:spChg chg="mod">
+          <ac:chgData name="Rolando Rojas Sanfuentes (Alumno)" userId="S::rolando.rojass@usm.cl::2c56a9b6-e5a8-48f6-bb7c-ce0866612bbb" providerId="AD" clId="Web-{FCA4740B-0098-4442-61A9-3F6C704437EF}" dt="2023-10-17T17:50:23.687" v="192" actId="14100"/>
+          <ac:spMkLst>
+            <pc:docMk/>
+            <pc:sldMk cId="4242194992" sldId="322"/>
+            <ac:spMk id="13" creationId="{53A5B69E-11D2-E249-9D53-8234314EF9C0}"/>
+          </ac:spMkLst>
+        </pc:spChg>
+        <pc:spChg chg="mod">
+          <ac:chgData name="Rolando Rojas Sanfuentes (Alumno)" userId="S::rolando.rojass@usm.cl::2c56a9b6-e5a8-48f6-bb7c-ce0866612bbb" providerId="AD" clId="Web-{FCA4740B-0098-4442-61A9-3F6C704437EF}" dt="2023-10-17T17:50:50.547" v="227" actId="20577"/>
+          <ac:spMkLst>
+            <pc:docMk/>
+            <pc:sldMk cId="4242194992" sldId="322"/>
+            <ac:spMk id="19" creationId="{5B6BE57E-DC6D-DED1-D441-F2213B2867CA}"/>
+          </ac:spMkLst>
+        </pc:spChg>
+        <pc:picChg chg="add mod">
+          <ac:chgData name="Rolando Rojas Sanfuentes (Alumno)" userId="S::rolando.rojass@usm.cl::2c56a9b6-e5a8-48f6-bb7c-ce0866612bbb" providerId="AD" clId="Web-{FCA4740B-0098-4442-61A9-3F6C704437EF}" dt="2023-10-17T17:49:57.890" v="186" actId="14100"/>
+          <ac:picMkLst>
+            <pc:docMk/>
+            <pc:sldMk cId="4242194992" sldId="322"/>
+            <ac:picMk id="2" creationId="{88761260-7A86-9786-8BDE-E7DB6223E3C8}"/>
+          </ac:picMkLst>
+        </pc:picChg>
+        <pc:picChg chg="del">
+          <ac:chgData name="Rolando Rojas Sanfuentes (Alumno)" userId="S::rolando.rojass@usm.cl::2c56a9b6-e5a8-48f6-bb7c-ce0866612bbb" providerId="AD" clId="Web-{FCA4740B-0098-4442-61A9-3F6C704437EF}" dt="2023-10-17T17:49:47.609" v="183"/>
+          <ac:picMkLst>
+            <pc:docMk/>
+            <pc:sldMk cId="4242194992" sldId="322"/>
+            <ac:picMk id="12" creationId="{7EC6DED6-0ACE-6133-682B-B85E8805B22F}"/>
+          </ac:picMkLst>
+        </pc:picChg>
+      </pc:sldChg>
+      <pc:sldChg chg="addSp delSp modSp add replId">
+        <pc:chgData name="Rolando Rojas Sanfuentes (Alumno)" userId="S::rolando.rojass@usm.cl::2c56a9b6-e5a8-48f6-bb7c-ce0866612bbb" providerId="AD" clId="Web-{FCA4740B-0098-4442-61A9-3F6C704437EF}" dt="2023-10-17T18:06:39.384" v="344" actId="1076"/>
+        <pc:sldMkLst>
+          <pc:docMk/>
+          <pc:sldMk cId="1543025398" sldId="323"/>
+        </pc:sldMkLst>
+        <pc:spChg chg="add del">
+          <ac:chgData name="Rolando Rojas Sanfuentes (Alumno)" userId="S::rolando.rojass@usm.cl::2c56a9b6-e5a8-48f6-bb7c-ce0866612bbb" providerId="AD" clId="Web-{FCA4740B-0098-4442-61A9-3F6C704437EF}" dt="2023-10-17T18:03:08.148" v="330"/>
+          <ac:spMkLst>
+            <pc:docMk/>
+            <pc:sldMk cId="1543025398" sldId="323"/>
+            <ac:spMk id="2" creationId="{988A800F-04A8-6B3B-713D-83D74D6DFF8A}"/>
+          </ac:spMkLst>
+        </pc:spChg>
+        <pc:spChg chg="mod">
+          <ac:chgData name="Rolando Rojas Sanfuentes (Alumno)" userId="S::rolando.rojass@usm.cl::2c56a9b6-e5a8-48f6-bb7c-ce0866612bbb" providerId="AD" clId="Web-{FCA4740B-0098-4442-61A9-3F6C704437EF}" dt="2023-10-17T18:03:47.117" v="336" actId="14100"/>
+          <ac:spMkLst>
+            <pc:docMk/>
+            <pc:sldMk cId="1543025398" sldId="323"/>
+            <ac:spMk id="297" creationId="{00000000-0000-0000-0000-000000000000}"/>
+          </ac:spMkLst>
+        </pc:spChg>
+        <pc:picChg chg="add mod">
+          <ac:chgData name="Rolando Rojas Sanfuentes (Alumno)" userId="S::rolando.rojass@usm.cl::2c56a9b6-e5a8-48f6-bb7c-ce0866612bbb" providerId="AD" clId="Web-{FCA4740B-0098-4442-61A9-3F6C704437EF}" dt="2023-10-17T18:03:54.664" v="339" actId="1076"/>
+          <ac:picMkLst>
+            <pc:docMk/>
+            <pc:sldMk cId="1543025398" sldId="323"/>
+            <ac:picMk id="3" creationId="{4F172A48-CC34-4237-D916-8E534A3DC9F1}"/>
+          </ac:picMkLst>
+        </pc:picChg>
+        <pc:picChg chg="add mod">
+          <ac:chgData name="Rolando Rojas Sanfuentes (Alumno)" userId="S::rolando.rojass@usm.cl::2c56a9b6-e5a8-48f6-bb7c-ce0866612bbb" providerId="AD" clId="Web-{FCA4740B-0098-4442-61A9-3F6C704437EF}" dt="2023-10-17T18:06:39.384" v="344" actId="1076"/>
+          <ac:picMkLst>
+            <pc:docMk/>
+            <pc:sldMk cId="1543025398" sldId="323"/>
+            <ac:picMk id="4" creationId="{B5CF47FD-1769-FFC2-359D-94B355160F6B}"/>
+          </ac:picMkLst>
+        </pc:picChg>
+      </pc:sldChg>
+    </pc:docChg>
+  </pc:docChgLst>
+  <pc:docChgLst>
+    <pc:chgData name="Rolando Rojas Sanfuentes (Alumno)" userId="2c56a9b6-e5a8-48f6-bb7c-ce0866612bbb" providerId="ADAL" clId="{8D34220B-E6E1-491F-A073-D367BB15ACCA}"/>
+    <pc:docChg chg="undo custSel modSld">
+      <pc:chgData name="Rolando Rojas Sanfuentes (Alumno)" userId="2c56a9b6-e5a8-48f6-bb7c-ce0866612bbb" providerId="ADAL" clId="{8D34220B-E6E1-491F-A073-D367BB15ACCA}" dt="2024-06-13T16:50:41.818" v="1" actId="20577"/>
+      <pc:docMkLst>
+        <pc:docMk/>
+      </pc:docMkLst>
+      <pc:sldChg chg="modSp mod">
+        <pc:chgData name="Rolando Rojas Sanfuentes (Alumno)" userId="2c56a9b6-e5a8-48f6-bb7c-ce0866612bbb" providerId="ADAL" clId="{8D34220B-E6E1-491F-A073-D367BB15ACCA}" dt="2024-06-13T16:50:41.818" v="1" actId="20577"/>
+        <pc:sldMkLst>
+          <pc:docMk/>
+          <pc:sldMk cId="3284822836" sldId="311"/>
+        </pc:sldMkLst>
+        <pc:spChg chg="mod">
+          <ac:chgData name="Rolando Rojas Sanfuentes (Alumno)" userId="2c56a9b6-e5a8-48f6-bb7c-ce0866612bbb" providerId="ADAL" clId="{8D34220B-E6E1-491F-A073-D367BB15ACCA}" dt="2024-06-13T16:50:41.818" v="1" actId="20577"/>
+          <ac:spMkLst>
+            <pc:docMk/>
+            <pc:sldMk cId="3284822836" sldId="311"/>
+            <ac:spMk id="297" creationId="{00000000-0000-0000-0000-000000000000}"/>
+          </ac:spMkLst>
+        </pc:spChg>
       </pc:sldChg>
     </pc:docChg>
   </pc:docChgLst>
